--- a/Labs/GraphLab/Graph Lab.pptx
+++ b/Labs/GraphLab/Graph Lab.pptx
@@ -278,7 +278,7 @@
           <p:cNvPr id="4" name="Rectangle 4">
             <a:extLst>
               <a:ext uri="{FF2B5EF4-FFF2-40B4-BE49-F238E27FC236}">
-                <a16:creationId xmlns:a16="http://schemas.microsoft.com/office/drawing/2014/main" xmlns="" id="{9125A82B-2CCF-464E-91C1-C2331CDBA5A0}"/>
+                <a16:creationId xmlns="" xmlns:a16="http://schemas.microsoft.com/office/drawing/2014/main" id="{9125A82B-2CCF-464E-91C1-C2331CDBA5A0}"/>
               </a:ext>
             </a:extLst>
           </p:cNvPr>
@@ -312,7 +312,7 @@
           <p:cNvPr id="5" name="Rectangle 5">
             <a:extLst>
               <a:ext uri="{FF2B5EF4-FFF2-40B4-BE49-F238E27FC236}">
-                <a16:creationId xmlns:a16="http://schemas.microsoft.com/office/drawing/2014/main" xmlns="" id="{04E3288B-9524-4753-B7CB-1A7EABF3DD04}"/>
+                <a16:creationId xmlns="" xmlns:a16="http://schemas.microsoft.com/office/drawing/2014/main" id="{04E3288B-9524-4753-B7CB-1A7EABF3DD04}"/>
               </a:ext>
             </a:extLst>
           </p:cNvPr>
@@ -346,7 +346,7 @@
           <p:cNvPr id="6" name="Rectangle 6">
             <a:extLst>
               <a:ext uri="{FF2B5EF4-FFF2-40B4-BE49-F238E27FC236}">
-                <a16:creationId xmlns:a16="http://schemas.microsoft.com/office/drawing/2014/main" xmlns="" id="{D31CDB50-91A3-46F3-89B9-1625B4AD1777}"/>
+                <a16:creationId xmlns="" xmlns:a16="http://schemas.microsoft.com/office/drawing/2014/main" id="{D31CDB50-91A3-46F3-89B9-1625B4AD1777}"/>
               </a:ext>
             </a:extLst>
           </p:cNvPr>
@@ -490,7 +490,7 @@
           <p:cNvPr id="4" name="Rectangle 4">
             <a:extLst>
               <a:ext uri="{FF2B5EF4-FFF2-40B4-BE49-F238E27FC236}">
-                <a16:creationId xmlns:a16="http://schemas.microsoft.com/office/drawing/2014/main" xmlns="" id="{3F1E756A-6CC2-49FD-B2C6-94BBA2E28D76}"/>
+                <a16:creationId xmlns="" xmlns:a16="http://schemas.microsoft.com/office/drawing/2014/main" id="{3F1E756A-6CC2-49FD-B2C6-94BBA2E28D76}"/>
               </a:ext>
             </a:extLst>
           </p:cNvPr>
@@ -524,7 +524,7 @@
           <p:cNvPr id="5" name="Rectangle 5">
             <a:extLst>
               <a:ext uri="{FF2B5EF4-FFF2-40B4-BE49-F238E27FC236}">
-                <a16:creationId xmlns:a16="http://schemas.microsoft.com/office/drawing/2014/main" xmlns="" id="{A97474D1-7536-4F1B-9CB0-D3EB9F13FE8C}"/>
+                <a16:creationId xmlns="" xmlns:a16="http://schemas.microsoft.com/office/drawing/2014/main" id="{A97474D1-7536-4F1B-9CB0-D3EB9F13FE8C}"/>
               </a:ext>
             </a:extLst>
           </p:cNvPr>
@@ -558,7 +558,7 @@
           <p:cNvPr id="6" name="Rectangle 6">
             <a:extLst>
               <a:ext uri="{FF2B5EF4-FFF2-40B4-BE49-F238E27FC236}">
-                <a16:creationId xmlns:a16="http://schemas.microsoft.com/office/drawing/2014/main" xmlns="" id="{4C534539-C415-4FB2-BCF4-AA9959083DDA}"/>
+                <a16:creationId xmlns="" xmlns:a16="http://schemas.microsoft.com/office/drawing/2014/main" id="{4C534539-C415-4FB2-BCF4-AA9959083DDA}"/>
               </a:ext>
             </a:extLst>
           </p:cNvPr>
@@ -712,7 +712,7 @@
           <p:cNvPr id="4" name="Rectangle 4">
             <a:extLst>
               <a:ext uri="{FF2B5EF4-FFF2-40B4-BE49-F238E27FC236}">
-                <a16:creationId xmlns:a16="http://schemas.microsoft.com/office/drawing/2014/main" xmlns="" id="{DBC7C570-8D38-46A4-A221-68C08F27590F}"/>
+                <a16:creationId xmlns="" xmlns:a16="http://schemas.microsoft.com/office/drawing/2014/main" id="{DBC7C570-8D38-46A4-A221-68C08F27590F}"/>
               </a:ext>
             </a:extLst>
           </p:cNvPr>
@@ -746,7 +746,7 @@
           <p:cNvPr id="5" name="Rectangle 5">
             <a:extLst>
               <a:ext uri="{FF2B5EF4-FFF2-40B4-BE49-F238E27FC236}">
-                <a16:creationId xmlns:a16="http://schemas.microsoft.com/office/drawing/2014/main" xmlns="" id="{4ADE6BD3-ADB3-4002-8C56-DD9C0767C1E3}"/>
+                <a16:creationId xmlns="" xmlns:a16="http://schemas.microsoft.com/office/drawing/2014/main" id="{4ADE6BD3-ADB3-4002-8C56-DD9C0767C1E3}"/>
               </a:ext>
             </a:extLst>
           </p:cNvPr>
@@ -780,7 +780,7 @@
           <p:cNvPr id="6" name="Rectangle 6">
             <a:extLst>
               <a:ext uri="{FF2B5EF4-FFF2-40B4-BE49-F238E27FC236}">
-                <a16:creationId xmlns:a16="http://schemas.microsoft.com/office/drawing/2014/main" xmlns="" id="{185F287D-3029-4F09-A12C-3077245F7E11}"/>
+                <a16:creationId xmlns="" xmlns:a16="http://schemas.microsoft.com/office/drawing/2014/main" id="{185F287D-3029-4F09-A12C-3077245F7E11}"/>
               </a:ext>
             </a:extLst>
           </p:cNvPr>
@@ -924,7 +924,7 @@
           <p:cNvPr id="4" name="Rectangle 4">
             <a:extLst>
               <a:ext uri="{FF2B5EF4-FFF2-40B4-BE49-F238E27FC236}">
-                <a16:creationId xmlns:a16="http://schemas.microsoft.com/office/drawing/2014/main" xmlns="" id="{3A352CC2-7A15-453A-8A90-1F38E659B289}"/>
+                <a16:creationId xmlns="" xmlns:a16="http://schemas.microsoft.com/office/drawing/2014/main" id="{3A352CC2-7A15-453A-8A90-1F38E659B289}"/>
               </a:ext>
             </a:extLst>
           </p:cNvPr>
@@ -958,7 +958,7 @@
           <p:cNvPr id="5" name="Rectangle 5">
             <a:extLst>
               <a:ext uri="{FF2B5EF4-FFF2-40B4-BE49-F238E27FC236}">
-                <a16:creationId xmlns:a16="http://schemas.microsoft.com/office/drawing/2014/main" xmlns="" id="{9FAF9D89-D6A0-44FB-B1F4-25AA5E7B1465}"/>
+                <a16:creationId xmlns="" xmlns:a16="http://schemas.microsoft.com/office/drawing/2014/main" id="{9FAF9D89-D6A0-44FB-B1F4-25AA5E7B1465}"/>
               </a:ext>
             </a:extLst>
           </p:cNvPr>
@@ -992,7 +992,7 @@
           <p:cNvPr id="6" name="Rectangle 6">
             <a:extLst>
               <a:ext uri="{FF2B5EF4-FFF2-40B4-BE49-F238E27FC236}">
-                <a16:creationId xmlns:a16="http://schemas.microsoft.com/office/drawing/2014/main" xmlns="" id="{CB0E09AB-3569-46C7-970E-7400B31AEDDC}"/>
+                <a16:creationId xmlns="" xmlns:a16="http://schemas.microsoft.com/office/drawing/2014/main" id="{CB0E09AB-3569-46C7-970E-7400B31AEDDC}"/>
               </a:ext>
             </a:extLst>
           </p:cNvPr>
@@ -1159,7 +1159,7 @@
           <p:cNvPr id="4" name="Rectangle 4">
             <a:extLst>
               <a:ext uri="{FF2B5EF4-FFF2-40B4-BE49-F238E27FC236}">
-                <a16:creationId xmlns:a16="http://schemas.microsoft.com/office/drawing/2014/main" xmlns="" id="{1BAA8AC3-8641-4349-901B-71EBF912125C}"/>
+                <a16:creationId xmlns="" xmlns:a16="http://schemas.microsoft.com/office/drawing/2014/main" id="{1BAA8AC3-8641-4349-901B-71EBF912125C}"/>
               </a:ext>
             </a:extLst>
           </p:cNvPr>
@@ -1193,7 +1193,7 @@
           <p:cNvPr id="5" name="Rectangle 5">
             <a:extLst>
               <a:ext uri="{FF2B5EF4-FFF2-40B4-BE49-F238E27FC236}">
-                <a16:creationId xmlns:a16="http://schemas.microsoft.com/office/drawing/2014/main" xmlns="" id="{D70D7D54-C431-45F7-A332-5F0286C9B70F}"/>
+                <a16:creationId xmlns="" xmlns:a16="http://schemas.microsoft.com/office/drawing/2014/main" id="{D70D7D54-C431-45F7-A332-5F0286C9B70F}"/>
               </a:ext>
             </a:extLst>
           </p:cNvPr>
@@ -1227,7 +1227,7 @@
           <p:cNvPr id="6" name="Rectangle 6">
             <a:extLst>
               <a:ext uri="{FF2B5EF4-FFF2-40B4-BE49-F238E27FC236}">
-                <a16:creationId xmlns:a16="http://schemas.microsoft.com/office/drawing/2014/main" xmlns="" id="{5D5FC0BE-BDCC-4B7C-9C5B-908B58162552}"/>
+                <a16:creationId xmlns="" xmlns:a16="http://schemas.microsoft.com/office/drawing/2014/main" id="{5D5FC0BE-BDCC-4B7C-9C5B-908B58162552}"/>
               </a:ext>
             </a:extLst>
           </p:cNvPr>
@@ -1488,7 +1488,7 @@
           <p:cNvPr id="5" name="Rectangle 4">
             <a:extLst>
               <a:ext uri="{FF2B5EF4-FFF2-40B4-BE49-F238E27FC236}">
-                <a16:creationId xmlns:a16="http://schemas.microsoft.com/office/drawing/2014/main" xmlns="" id="{E3ED5431-C216-478F-AD06-B324F4216E14}"/>
+                <a16:creationId xmlns="" xmlns:a16="http://schemas.microsoft.com/office/drawing/2014/main" id="{E3ED5431-C216-478F-AD06-B324F4216E14}"/>
               </a:ext>
             </a:extLst>
           </p:cNvPr>
@@ -1522,7 +1522,7 @@
           <p:cNvPr id="6" name="Rectangle 5">
             <a:extLst>
               <a:ext uri="{FF2B5EF4-FFF2-40B4-BE49-F238E27FC236}">
-                <a16:creationId xmlns:a16="http://schemas.microsoft.com/office/drawing/2014/main" xmlns="" id="{9F73BD0F-AEFB-4A07-A2F0-D4229A319F59}"/>
+                <a16:creationId xmlns="" xmlns:a16="http://schemas.microsoft.com/office/drawing/2014/main" id="{9F73BD0F-AEFB-4A07-A2F0-D4229A319F59}"/>
               </a:ext>
             </a:extLst>
           </p:cNvPr>
@@ -1556,7 +1556,7 @@
           <p:cNvPr id="7" name="Rectangle 6">
             <a:extLst>
               <a:ext uri="{FF2B5EF4-FFF2-40B4-BE49-F238E27FC236}">
-                <a16:creationId xmlns:a16="http://schemas.microsoft.com/office/drawing/2014/main" xmlns="" id="{CE70E720-1A03-4226-9F7D-49154454FF63}"/>
+                <a16:creationId xmlns="" xmlns:a16="http://schemas.microsoft.com/office/drawing/2014/main" id="{CE70E720-1A03-4226-9F7D-49154454FF63}"/>
               </a:ext>
             </a:extLst>
           </p:cNvPr>
@@ -1956,7 +1956,7 @@
           <p:cNvPr id="7" name="Rectangle 4">
             <a:extLst>
               <a:ext uri="{FF2B5EF4-FFF2-40B4-BE49-F238E27FC236}">
-                <a16:creationId xmlns:a16="http://schemas.microsoft.com/office/drawing/2014/main" xmlns="" id="{F9722A30-726A-4684-899A-C9BAAEFAA449}"/>
+                <a16:creationId xmlns="" xmlns:a16="http://schemas.microsoft.com/office/drawing/2014/main" id="{F9722A30-726A-4684-899A-C9BAAEFAA449}"/>
               </a:ext>
             </a:extLst>
           </p:cNvPr>
@@ -1990,7 +1990,7 @@
           <p:cNvPr id="8" name="Rectangle 5">
             <a:extLst>
               <a:ext uri="{FF2B5EF4-FFF2-40B4-BE49-F238E27FC236}">
-                <a16:creationId xmlns:a16="http://schemas.microsoft.com/office/drawing/2014/main" xmlns="" id="{3E954E49-D61A-48C7-B3E1-87D24A550CFE}"/>
+                <a16:creationId xmlns="" xmlns:a16="http://schemas.microsoft.com/office/drawing/2014/main" id="{3E954E49-D61A-48C7-B3E1-87D24A550CFE}"/>
               </a:ext>
             </a:extLst>
           </p:cNvPr>
@@ -2024,7 +2024,7 @@
           <p:cNvPr id="9" name="Rectangle 6">
             <a:extLst>
               <a:ext uri="{FF2B5EF4-FFF2-40B4-BE49-F238E27FC236}">
-                <a16:creationId xmlns:a16="http://schemas.microsoft.com/office/drawing/2014/main" xmlns="" id="{DAD96845-8722-40D1-B7B6-19DA62CC0B0F}"/>
+                <a16:creationId xmlns="" xmlns:a16="http://schemas.microsoft.com/office/drawing/2014/main" id="{DAD96845-8722-40D1-B7B6-19DA62CC0B0F}"/>
               </a:ext>
             </a:extLst>
           </p:cNvPr>
@@ -2117,7 +2117,7 @@
           <p:cNvPr id="3" name="Rectangle 4">
             <a:extLst>
               <a:ext uri="{FF2B5EF4-FFF2-40B4-BE49-F238E27FC236}">
-                <a16:creationId xmlns:a16="http://schemas.microsoft.com/office/drawing/2014/main" xmlns="" id="{0B8C6C15-FD56-4ABA-AB12-BAA70ACDFB58}"/>
+                <a16:creationId xmlns="" xmlns:a16="http://schemas.microsoft.com/office/drawing/2014/main" id="{0B8C6C15-FD56-4ABA-AB12-BAA70ACDFB58}"/>
               </a:ext>
             </a:extLst>
           </p:cNvPr>
@@ -2151,7 +2151,7 @@
           <p:cNvPr id="4" name="Rectangle 5">
             <a:extLst>
               <a:ext uri="{FF2B5EF4-FFF2-40B4-BE49-F238E27FC236}">
-                <a16:creationId xmlns:a16="http://schemas.microsoft.com/office/drawing/2014/main" xmlns="" id="{DD50E1FB-2178-4660-859C-59A4AD37360D}"/>
+                <a16:creationId xmlns="" xmlns:a16="http://schemas.microsoft.com/office/drawing/2014/main" id="{DD50E1FB-2178-4660-859C-59A4AD37360D}"/>
               </a:ext>
             </a:extLst>
           </p:cNvPr>
@@ -2185,7 +2185,7 @@
           <p:cNvPr id="5" name="Rectangle 6">
             <a:extLst>
               <a:ext uri="{FF2B5EF4-FFF2-40B4-BE49-F238E27FC236}">
-                <a16:creationId xmlns:a16="http://schemas.microsoft.com/office/drawing/2014/main" xmlns="" id="{1AA6322A-92C9-446C-930A-0698A19F92D6}"/>
+                <a16:creationId xmlns="" xmlns:a16="http://schemas.microsoft.com/office/drawing/2014/main" id="{1AA6322A-92C9-446C-930A-0698A19F92D6}"/>
               </a:ext>
             </a:extLst>
           </p:cNvPr>
@@ -2256,7 +2256,7 @@
           <p:cNvPr id="2" name="Rectangle 4">
             <a:extLst>
               <a:ext uri="{FF2B5EF4-FFF2-40B4-BE49-F238E27FC236}">
-                <a16:creationId xmlns:a16="http://schemas.microsoft.com/office/drawing/2014/main" xmlns="" id="{C26BD151-6E80-4919-A6C6-E85E8962B2B8}"/>
+                <a16:creationId xmlns="" xmlns:a16="http://schemas.microsoft.com/office/drawing/2014/main" id="{C26BD151-6E80-4919-A6C6-E85E8962B2B8}"/>
               </a:ext>
             </a:extLst>
           </p:cNvPr>
@@ -2290,7 +2290,7 @@
           <p:cNvPr id="3" name="Rectangle 5">
             <a:extLst>
               <a:ext uri="{FF2B5EF4-FFF2-40B4-BE49-F238E27FC236}">
-                <a16:creationId xmlns:a16="http://schemas.microsoft.com/office/drawing/2014/main" xmlns="" id="{0EDE622F-11F0-46C9-85F2-95727BDB7102}"/>
+                <a16:creationId xmlns="" xmlns:a16="http://schemas.microsoft.com/office/drawing/2014/main" id="{0EDE622F-11F0-46C9-85F2-95727BDB7102}"/>
               </a:ext>
             </a:extLst>
           </p:cNvPr>
@@ -2324,7 +2324,7 @@
           <p:cNvPr id="4" name="Rectangle 6">
             <a:extLst>
               <a:ext uri="{FF2B5EF4-FFF2-40B4-BE49-F238E27FC236}">
-                <a16:creationId xmlns:a16="http://schemas.microsoft.com/office/drawing/2014/main" xmlns="" id="{2738D21C-6B11-469E-BF8F-83948469C378}"/>
+                <a16:creationId xmlns="" xmlns:a16="http://schemas.microsoft.com/office/drawing/2014/main" id="{2738D21C-6B11-469E-BF8F-83948469C378}"/>
               </a:ext>
             </a:extLst>
           </p:cNvPr>
@@ -2575,7 +2575,7 @@
           <p:cNvPr id="5" name="Rectangle 4">
             <a:extLst>
               <a:ext uri="{FF2B5EF4-FFF2-40B4-BE49-F238E27FC236}">
-                <a16:creationId xmlns:a16="http://schemas.microsoft.com/office/drawing/2014/main" xmlns="" id="{9CB731B5-3765-429E-872A-8668632123DD}"/>
+                <a16:creationId xmlns="" xmlns:a16="http://schemas.microsoft.com/office/drawing/2014/main" id="{9CB731B5-3765-429E-872A-8668632123DD}"/>
               </a:ext>
             </a:extLst>
           </p:cNvPr>
@@ -2609,7 +2609,7 @@
           <p:cNvPr id="6" name="Rectangle 5">
             <a:extLst>
               <a:ext uri="{FF2B5EF4-FFF2-40B4-BE49-F238E27FC236}">
-                <a16:creationId xmlns:a16="http://schemas.microsoft.com/office/drawing/2014/main" xmlns="" id="{8507C996-8DF7-4E2F-AF23-8DAE146FF66E}"/>
+                <a16:creationId xmlns="" xmlns:a16="http://schemas.microsoft.com/office/drawing/2014/main" id="{8507C996-8DF7-4E2F-AF23-8DAE146FF66E}"/>
               </a:ext>
             </a:extLst>
           </p:cNvPr>
@@ -2643,7 +2643,7 @@
           <p:cNvPr id="7" name="Rectangle 6">
             <a:extLst>
               <a:ext uri="{FF2B5EF4-FFF2-40B4-BE49-F238E27FC236}">
-                <a16:creationId xmlns:a16="http://schemas.microsoft.com/office/drawing/2014/main" xmlns="" id="{1E165721-1FB1-4FD2-A3E1-477148721D0A}"/>
+                <a16:creationId xmlns="" xmlns:a16="http://schemas.microsoft.com/office/drawing/2014/main" id="{1E165721-1FB1-4FD2-A3E1-477148721D0A}"/>
               </a:ext>
             </a:extLst>
           </p:cNvPr>
@@ -2872,7 +2872,7 @@
           <p:cNvPr id="5" name="Rectangle 4">
             <a:extLst>
               <a:ext uri="{FF2B5EF4-FFF2-40B4-BE49-F238E27FC236}">
-                <a16:creationId xmlns:a16="http://schemas.microsoft.com/office/drawing/2014/main" xmlns="" id="{434575CE-128F-476E-9884-744818038228}"/>
+                <a16:creationId xmlns="" xmlns:a16="http://schemas.microsoft.com/office/drawing/2014/main" id="{434575CE-128F-476E-9884-744818038228}"/>
               </a:ext>
             </a:extLst>
           </p:cNvPr>
@@ -2906,7 +2906,7 @@
           <p:cNvPr id="6" name="Rectangle 5">
             <a:extLst>
               <a:ext uri="{FF2B5EF4-FFF2-40B4-BE49-F238E27FC236}">
-                <a16:creationId xmlns:a16="http://schemas.microsoft.com/office/drawing/2014/main" xmlns="" id="{2F8A3289-721A-48D4-BD33-CB44F14573EC}"/>
+                <a16:creationId xmlns="" xmlns:a16="http://schemas.microsoft.com/office/drawing/2014/main" id="{2F8A3289-721A-48D4-BD33-CB44F14573EC}"/>
               </a:ext>
             </a:extLst>
           </p:cNvPr>
@@ -2940,7 +2940,7 @@
           <p:cNvPr id="7" name="Rectangle 6">
             <a:extLst>
               <a:ext uri="{FF2B5EF4-FFF2-40B4-BE49-F238E27FC236}">
-                <a16:creationId xmlns:a16="http://schemas.microsoft.com/office/drawing/2014/main" xmlns="" id="{619935AD-6A4E-4742-A5EC-70E337C65E5F}"/>
+                <a16:creationId xmlns="" xmlns:a16="http://schemas.microsoft.com/office/drawing/2014/main" id="{619935AD-6A4E-4742-A5EC-70E337C65E5F}"/>
               </a:ext>
             </a:extLst>
           </p:cNvPr>
@@ -3019,7 +3019,7 @@
           <p:cNvPr id="1026" name="Rectangle 2">
             <a:extLst>
               <a:ext uri="{FF2B5EF4-FFF2-40B4-BE49-F238E27FC236}">
-                <a16:creationId xmlns:a16="http://schemas.microsoft.com/office/drawing/2014/main" xmlns="" id="{4BC1576A-CAC6-4108-AC52-7CAE92E892F0}"/>
+                <a16:creationId xmlns="" xmlns:a16="http://schemas.microsoft.com/office/drawing/2014/main" id="{4BC1576A-CAC6-4108-AC52-7CAE92E892F0}"/>
               </a:ext>
             </a:extLst>
           </p:cNvPr>
@@ -3083,7 +3083,7 @@
           <p:cNvPr id="1027" name="Rectangle 3">
             <a:extLst>
               <a:ext uri="{FF2B5EF4-FFF2-40B4-BE49-F238E27FC236}">
-                <a16:creationId xmlns:a16="http://schemas.microsoft.com/office/drawing/2014/main" xmlns="" id="{67FFCB32-D8F0-40DD-8DDD-4FE31F5DEF86}"/>
+                <a16:creationId xmlns="" xmlns:a16="http://schemas.microsoft.com/office/drawing/2014/main" id="{67FFCB32-D8F0-40DD-8DDD-4FE31F5DEF86}"/>
               </a:ext>
             </a:extLst>
           </p:cNvPr>
@@ -3175,7 +3175,7 @@
           <p:cNvPr id="1028" name="Rectangle 4">
             <a:extLst>
               <a:ext uri="{FF2B5EF4-FFF2-40B4-BE49-F238E27FC236}">
-                <a16:creationId xmlns:a16="http://schemas.microsoft.com/office/drawing/2014/main" xmlns="" id="{75817BB7-B3C8-41CB-87F5-8A89D275B32F}"/>
+                <a16:creationId xmlns="" xmlns:a16="http://schemas.microsoft.com/office/drawing/2014/main" id="{75817BB7-B3C8-41CB-87F5-8A89D275B32F}"/>
               </a:ext>
             </a:extLst>
           </p:cNvPr>
@@ -3227,7 +3227,7 @@
           <p:cNvPr id="1029" name="Rectangle 5">
             <a:extLst>
               <a:ext uri="{FF2B5EF4-FFF2-40B4-BE49-F238E27FC236}">
-                <a16:creationId xmlns:a16="http://schemas.microsoft.com/office/drawing/2014/main" xmlns="" id="{B305F237-D2AD-46AB-9089-261059316DAC}"/>
+                <a16:creationId xmlns="" xmlns:a16="http://schemas.microsoft.com/office/drawing/2014/main" id="{B305F237-D2AD-46AB-9089-261059316DAC}"/>
               </a:ext>
             </a:extLst>
           </p:cNvPr>
@@ -3279,7 +3279,7 @@
           <p:cNvPr id="1030" name="Rectangle 6">
             <a:extLst>
               <a:ext uri="{FF2B5EF4-FFF2-40B4-BE49-F238E27FC236}">
-                <a16:creationId xmlns:a16="http://schemas.microsoft.com/office/drawing/2014/main" xmlns="" id="{8A19BE72-D15C-4880-BADE-7EDEFB1FE987}"/>
+                <a16:creationId xmlns="" xmlns:a16="http://schemas.microsoft.com/office/drawing/2014/main" id="{8A19BE72-D15C-4880-BADE-7EDEFB1FE987}"/>
               </a:ext>
             </a:extLst>
           </p:cNvPr>
@@ -3740,7 +3740,7 @@
           <p:cNvPr id="2050" name="Object 2">
             <a:extLst>
               <a:ext uri="{FF2B5EF4-FFF2-40B4-BE49-F238E27FC236}">
-                <a16:creationId xmlns:a16="http://schemas.microsoft.com/office/drawing/2014/main" xmlns="" id="{0FC2EDEB-CD6D-479E-AC2A-6579F6E4CF69}"/>
+                <a16:creationId xmlns="" xmlns:a16="http://schemas.microsoft.com/office/drawing/2014/main" id="{0FC2EDEB-CD6D-479E-AC2A-6579F6E4CF69}"/>
               </a:ext>
             </a:extLst>
           </p:cNvPr>
@@ -3763,7 +3763,7 @@
           <a:graphicData uri="http://schemas.openxmlformats.org/presentationml/2006/ole">
             <mc:AlternateContent xmlns:mc="http://schemas.openxmlformats.org/markup-compatibility/2006">
               <mc:Choice xmlns:v="urn:schemas-microsoft-com:vml" Requires="v">
-                <p:oleObj spid="_x0000_s2073" name="Document" r:id="rId3" imgW="5491805" imgH="2460978" progId="Word.Document.8">
+                <p:oleObj spid="_x0000_s2074" name="Document" r:id="rId3" imgW="5491805" imgH="2460978" progId="Word.Document.8">
                   <p:embed/>
                 </p:oleObj>
               </mc:Choice>
@@ -3812,7 +3812,7 @@
           <p:cNvPr id="2051" name="Text Box 3">
             <a:extLst>
               <a:ext uri="{FF2B5EF4-FFF2-40B4-BE49-F238E27FC236}">
-                <a16:creationId xmlns:a16="http://schemas.microsoft.com/office/drawing/2014/main" xmlns="" id="{6F9A29ED-552A-4B04-9BFF-78324234E82F}"/>
+                <a16:creationId xmlns="" xmlns:a16="http://schemas.microsoft.com/office/drawing/2014/main" id="{6F9A29ED-552A-4B04-9BFF-78324234E82F}"/>
               </a:ext>
             </a:extLst>
           </p:cNvPr>
@@ -4022,7 +4022,7 @@
           <p:cNvPr id="2054" name="Rectangle 7">
             <a:extLst>
               <a:ext uri="{FF2B5EF4-FFF2-40B4-BE49-F238E27FC236}">
-                <a16:creationId xmlns:a16="http://schemas.microsoft.com/office/drawing/2014/main" xmlns="" id="{CD9F0903-62EA-42BD-8AD2-C0B50A702B61}"/>
+                <a16:creationId xmlns="" xmlns:a16="http://schemas.microsoft.com/office/drawing/2014/main" id="{CD9F0903-62EA-42BD-8AD2-C0B50A702B61}"/>
               </a:ext>
             </a:extLst>
           </p:cNvPr>
@@ -4462,7 +4462,7 @@
           <p:cNvPr id="2055" name="Rectangle 8">
             <a:extLst>
               <a:ext uri="{FF2B5EF4-FFF2-40B4-BE49-F238E27FC236}">
-                <a16:creationId xmlns:a16="http://schemas.microsoft.com/office/drawing/2014/main" xmlns="" id="{23AE5A62-58FC-45BC-8E66-2A3E942B3F09}"/>
+                <a16:creationId xmlns="" xmlns:a16="http://schemas.microsoft.com/office/drawing/2014/main" id="{23AE5A62-58FC-45BC-8E66-2A3E942B3F09}"/>
               </a:ext>
             </a:extLst>
           </p:cNvPr>
@@ -4639,7 +4639,7 @@
           <p:cNvPr id="2056" name="Text Box 9">
             <a:extLst>
               <a:ext uri="{FF2B5EF4-FFF2-40B4-BE49-F238E27FC236}">
-                <a16:creationId xmlns:a16="http://schemas.microsoft.com/office/drawing/2014/main" xmlns="" id="{DF9A9F0D-E17B-4441-A5AB-ABE3472E3D2B}"/>
+                <a16:creationId xmlns="" xmlns:a16="http://schemas.microsoft.com/office/drawing/2014/main" id="{DF9A9F0D-E17B-4441-A5AB-ABE3472E3D2B}"/>
               </a:ext>
             </a:extLst>
           </p:cNvPr>
@@ -5546,6 +5546,54 @@
           </a:prstGeom>
         </p:spPr>
       </p:pic>
+      <p:pic>
+        <p:nvPicPr>
+          <p:cNvPr id="7" name="Picture 6"/>
+          <p:cNvPicPr>
+            <a:picLocks noChangeAspect="1"/>
+          </p:cNvPicPr>
+          <p:nvPr/>
+        </p:nvPicPr>
+        <p:blipFill>
+          <a:blip r:embed="rId4"/>
+          <a:stretch>
+            <a:fillRect/>
+          </a:stretch>
+        </p:blipFill>
+        <p:spPr>
+          <a:xfrm>
+            <a:off x="3381375" y="6172200"/>
+            <a:ext cx="2686050" cy="895350"/>
+          </a:xfrm>
+          <a:prstGeom prst="rect">
+            <a:avLst/>
+          </a:prstGeom>
+        </p:spPr>
+      </p:pic>
+      <p:pic>
+        <p:nvPicPr>
+          <p:cNvPr id="9" name="Picture 8"/>
+          <p:cNvPicPr>
+            <a:picLocks noChangeAspect="1"/>
+          </p:cNvPicPr>
+          <p:nvPr/>
+        </p:nvPicPr>
+        <p:blipFill>
+          <a:blip r:embed="rId5"/>
+          <a:stretch>
+            <a:fillRect/>
+          </a:stretch>
+        </p:blipFill>
+        <p:spPr>
+          <a:xfrm>
+            <a:off x="3429000" y="6334125"/>
+            <a:ext cx="2933700" cy="809625"/>
+          </a:xfrm>
+          <a:prstGeom prst="rect">
+            <a:avLst/>
+          </a:prstGeom>
+        </p:spPr>
+      </p:pic>
     </p:spTree>
     <p:extLst>
       <p:ext uri="{BB962C8B-B14F-4D97-AF65-F5344CB8AC3E}">
@@ -5581,7 +5629,7 @@
           <p:cNvPr id="6146" name="Picture 4" descr="08">
             <a:extLst>
               <a:ext uri="{FF2B5EF4-FFF2-40B4-BE49-F238E27FC236}">
-                <a16:creationId xmlns:a16="http://schemas.microsoft.com/office/drawing/2014/main" xmlns="" id="{9FE784F9-D9A7-4F7B-AD49-6C3E9EEF2890}"/>
+                <a16:creationId xmlns="" xmlns:a16="http://schemas.microsoft.com/office/drawing/2014/main" id="{9FE784F9-D9A7-4F7B-AD49-6C3E9EEF2890}"/>
               </a:ext>
             </a:extLst>
           </p:cNvPr>
@@ -5641,7 +5689,7 @@
           <p:cNvPr id="6147" name="Rectangle 5">
             <a:extLst>
               <a:ext uri="{FF2B5EF4-FFF2-40B4-BE49-F238E27FC236}">
-                <a16:creationId xmlns:a16="http://schemas.microsoft.com/office/drawing/2014/main" xmlns="" id="{FF2496EF-C9B8-49EF-A543-7502752ACE06}"/>
+                <a16:creationId xmlns="" xmlns:a16="http://schemas.microsoft.com/office/drawing/2014/main" id="{FF2496EF-C9B8-49EF-A543-7502752ACE06}"/>
               </a:ext>
             </a:extLst>
           </p:cNvPr>
@@ -6034,7 +6082,7 @@
           <p:cNvPr id="3074" name="Text Box 2">
             <a:extLst>
               <a:ext uri="{FF2B5EF4-FFF2-40B4-BE49-F238E27FC236}">
-                <a16:creationId xmlns:a16="http://schemas.microsoft.com/office/drawing/2014/main" xmlns="" id="{C129A688-1F3C-4C9F-9AC5-19802C32F77A}"/>
+                <a16:creationId xmlns="" xmlns:a16="http://schemas.microsoft.com/office/drawing/2014/main" id="{C129A688-1F3C-4C9F-9AC5-19802C32F77A}"/>
               </a:ext>
             </a:extLst>
           </p:cNvPr>
@@ -6234,7 +6282,7 @@
           <p:cNvPr id="3075" name="Rectangle 3">
             <a:extLst>
               <a:ext uri="{FF2B5EF4-FFF2-40B4-BE49-F238E27FC236}">
-                <a16:creationId xmlns:a16="http://schemas.microsoft.com/office/drawing/2014/main" xmlns="" id="{3F1D4401-FBEF-43F9-BEE5-1B122142E735}"/>
+                <a16:creationId xmlns="" xmlns:a16="http://schemas.microsoft.com/office/drawing/2014/main" id="{3F1D4401-FBEF-43F9-BEE5-1B122142E735}"/>
               </a:ext>
             </a:extLst>
           </p:cNvPr>
@@ -6411,7 +6459,7 @@
           <p:cNvPr id="7" name="Group 6">
             <a:extLst>
               <a:ext uri="{FF2B5EF4-FFF2-40B4-BE49-F238E27FC236}">
-                <a16:creationId xmlns:a16="http://schemas.microsoft.com/office/drawing/2014/main" xmlns="" id="{A73641C4-B2C2-437B-AAA3-9677860519ED}"/>
+                <a16:creationId xmlns="" xmlns:a16="http://schemas.microsoft.com/office/drawing/2014/main" id="{A73641C4-B2C2-437B-AAA3-9677860519ED}"/>
               </a:ext>
             </a:extLst>
           </p:cNvPr>
@@ -6431,7 +6479,7 @@
             <p:cNvPr id="8" name="Rectangle 4">
               <a:extLst>
                 <a:ext uri="{FF2B5EF4-FFF2-40B4-BE49-F238E27FC236}">
-                  <a16:creationId xmlns:a16="http://schemas.microsoft.com/office/drawing/2014/main" xmlns="" id="{150515A3-7AEC-4F11-96B7-7933E5964D11}"/>
+                  <a16:creationId xmlns="" xmlns:a16="http://schemas.microsoft.com/office/drawing/2014/main" id="{150515A3-7AEC-4F11-96B7-7933E5964D11}"/>
                 </a:ext>
               </a:extLst>
             </p:cNvPr>
@@ -6608,7 +6656,7 @@
             <p:cNvPr id="9" name="Rectangle 5">
               <a:extLst>
                 <a:ext uri="{FF2B5EF4-FFF2-40B4-BE49-F238E27FC236}">
-                  <a16:creationId xmlns:a16="http://schemas.microsoft.com/office/drawing/2014/main" xmlns="" id="{AC614A04-AAA4-4C45-9079-2C377ECCE70B}"/>
+                  <a16:creationId xmlns="" xmlns:a16="http://schemas.microsoft.com/office/drawing/2014/main" id="{AC614A04-AAA4-4C45-9079-2C377ECCE70B}"/>
                 </a:ext>
               </a:extLst>
             </p:cNvPr>
@@ -6785,7 +6833,7 @@
             <p:cNvPr id="10" name="Text Box 10">
               <a:extLst>
                 <a:ext uri="{FF2B5EF4-FFF2-40B4-BE49-F238E27FC236}">
-                  <a16:creationId xmlns:a16="http://schemas.microsoft.com/office/drawing/2014/main" xmlns="" id="{BCC31319-0CFB-4318-B56D-38F795438832}"/>
+                  <a16:creationId xmlns="" xmlns:a16="http://schemas.microsoft.com/office/drawing/2014/main" id="{BCC31319-0CFB-4318-B56D-38F795438832}"/>
                 </a:ext>
               </a:extLst>
             </p:cNvPr>
@@ -6973,7 +7021,7 @@
           <p:cNvPr id="2" name="Rectangle 1">
             <a:extLst>
               <a:ext uri="{FF2B5EF4-FFF2-40B4-BE49-F238E27FC236}">
-                <a16:creationId xmlns:a16="http://schemas.microsoft.com/office/drawing/2014/main" xmlns="" id="{E4B944C5-4159-45AC-A452-4E3D1B0B311C}"/>
+                <a16:creationId xmlns="" xmlns:a16="http://schemas.microsoft.com/office/drawing/2014/main" id="{E4B944C5-4159-45AC-A452-4E3D1B0B311C}"/>
               </a:ext>
             </a:extLst>
           </p:cNvPr>
@@ -9126,7 +9174,7 @@
           <p:cNvPr id="2" name="Picture 2">
             <a:extLst>
               <a:ext uri="{FF2B5EF4-FFF2-40B4-BE49-F238E27FC236}">
-                <a16:creationId xmlns:a16="http://schemas.microsoft.com/office/drawing/2014/main" xmlns="" id="{9B977FDE-32EA-465E-AADB-9C989EE1CA51}"/>
+                <a16:creationId xmlns="" xmlns:a16="http://schemas.microsoft.com/office/drawing/2014/main" id="{9B977FDE-32EA-465E-AADB-9C989EE1CA51}"/>
               </a:ext>
             </a:extLst>
           </p:cNvPr>
@@ -9186,7 +9234,7 @@
           <p:cNvPr id="3" name="Rectangle 4">
             <a:extLst>
               <a:ext uri="{FF2B5EF4-FFF2-40B4-BE49-F238E27FC236}">
-                <a16:creationId xmlns:a16="http://schemas.microsoft.com/office/drawing/2014/main" xmlns="" id="{644F9C34-5703-4C24-9E52-5CCFFBD67C78}"/>
+                <a16:creationId xmlns="" xmlns:a16="http://schemas.microsoft.com/office/drawing/2014/main" id="{644F9C34-5703-4C24-9E52-5CCFFBD67C78}"/>
               </a:ext>
             </a:extLst>
           </p:cNvPr>
@@ -9676,7 +9724,7 @@
           <p:cNvPr id="4" name="Text Box 5">
             <a:extLst>
               <a:ext uri="{FF2B5EF4-FFF2-40B4-BE49-F238E27FC236}">
-                <a16:creationId xmlns:a16="http://schemas.microsoft.com/office/drawing/2014/main" xmlns="" id="{F45A182C-00FA-4567-8FE6-CAFB6DBCF4CD}"/>
+                <a16:creationId xmlns="" xmlns:a16="http://schemas.microsoft.com/office/drawing/2014/main" id="{F45A182C-00FA-4567-8FE6-CAFB6DBCF4CD}"/>
               </a:ext>
             </a:extLst>
           </p:cNvPr>
@@ -9870,11 +9918,7 @@
             </a:r>
             <a:r>
               <a:rPr lang="en-US" altLang="en-US" sz="1200" b="1" dirty="0"/>
-              <a:t>F, C, D, A, B, E, </a:t>
-            </a:r>
-            <a:r>
-              <a:rPr lang="en-US" altLang="en-US" sz="1200" b="1" dirty="0"/>
-              <a:t>G This is the correct path for </a:t>
+              <a:t>F, C, D, A, B, E, G This is the correct path for </a:t>
             </a:r>
             <a:r>
               <a:rPr lang="en-US" altLang="en-US" sz="1200" b="1" dirty="0" smtClean="0"/>
@@ -9958,7 +10002,7 @@
           <p:cNvPr id="4098" name="Picture 4" descr="9_633b">
             <a:extLst>
               <a:ext uri="{FF2B5EF4-FFF2-40B4-BE49-F238E27FC236}">
-                <a16:creationId xmlns:a16="http://schemas.microsoft.com/office/drawing/2014/main" xmlns="" id="{31561808-D3EA-42DE-AACF-7FE716DB2F15}"/>
+                <a16:creationId xmlns="" xmlns:a16="http://schemas.microsoft.com/office/drawing/2014/main" id="{31561808-D3EA-42DE-AACF-7FE716DB2F15}"/>
               </a:ext>
             </a:extLst>
           </p:cNvPr>
@@ -10013,7 +10057,7 @@
           <p:cNvPr id="4099" name="Text Box 5">
             <a:extLst>
               <a:ext uri="{FF2B5EF4-FFF2-40B4-BE49-F238E27FC236}">
-                <a16:creationId xmlns:a16="http://schemas.microsoft.com/office/drawing/2014/main" xmlns="" id="{6A9A4ED3-BE14-4EA7-88B6-70C20075BE63}"/>
+                <a16:creationId xmlns="" xmlns:a16="http://schemas.microsoft.com/office/drawing/2014/main" id="{6A9A4ED3-BE14-4EA7-88B6-70C20075BE63}"/>
               </a:ext>
             </a:extLst>
           </p:cNvPr>
@@ -10364,7 +10408,7 @@
           <p:cNvPr id="2050" name="Text Box 5">
             <a:extLst>
               <a:ext uri="{FF2B5EF4-FFF2-40B4-BE49-F238E27FC236}">
-                <a16:creationId xmlns:a16="http://schemas.microsoft.com/office/drawing/2014/main" xmlns="" id="{173F8752-B146-46CD-B46E-CFF49491B82C}"/>
+                <a16:creationId xmlns="" xmlns:a16="http://schemas.microsoft.com/office/drawing/2014/main" id="{173F8752-B146-46CD-B46E-CFF49491B82C}"/>
               </a:ext>
             </a:extLst>
           </p:cNvPr>
@@ -10564,7 +10608,7 @@
           <p:cNvPr id="2051" name="Picture 5">
             <a:extLst>
               <a:ext uri="{FF2B5EF4-FFF2-40B4-BE49-F238E27FC236}">
-                <a16:creationId xmlns:a16="http://schemas.microsoft.com/office/drawing/2014/main" xmlns="" id="{46AC5A2B-1B00-4434-8F50-20AAD41C6BBD}"/>
+                <a16:creationId xmlns="" xmlns:a16="http://schemas.microsoft.com/office/drawing/2014/main" id="{46AC5A2B-1B00-4434-8F50-20AAD41C6BBD}"/>
               </a:ext>
             </a:extLst>
           </p:cNvPr>
@@ -10683,7 +10727,7 @@
           <p:cNvPr id="3074" name="Text Box 3">
             <a:extLst>
               <a:ext uri="{FF2B5EF4-FFF2-40B4-BE49-F238E27FC236}">
-                <a16:creationId xmlns:a16="http://schemas.microsoft.com/office/drawing/2014/main" xmlns="" id="{00A92C8E-6175-4482-94F6-9AEE58F153D5}"/>
+                <a16:creationId xmlns="" xmlns:a16="http://schemas.microsoft.com/office/drawing/2014/main" id="{00A92C8E-6175-4482-94F6-9AEE58F153D5}"/>
               </a:ext>
             </a:extLst>
           </p:cNvPr>
@@ -10851,7 +10895,7 @@
           <p:cNvPr id="3075" name="Rectangle 4">
             <a:extLst>
               <a:ext uri="{FF2B5EF4-FFF2-40B4-BE49-F238E27FC236}">
-                <a16:creationId xmlns:a16="http://schemas.microsoft.com/office/drawing/2014/main" xmlns="" id="{E71DD7EA-C580-43B3-BC05-FA24AC85E0A2}"/>
+                <a16:creationId xmlns="" xmlns:a16="http://schemas.microsoft.com/office/drawing/2014/main" id="{E71DD7EA-C580-43B3-BC05-FA24AC85E0A2}"/>
               </a:ext>
             </a:extLst>
           </p:cNvPr>
@@ -11028,7 +11072,7 @@
           <p:cNvPr id="3076" name="Rectangle 5">
             <a:extLst>
               <a:ext uri="{FF2B5EF4-FFF2-40B4-BE49-F238E27FC236}">
-                <a16:creationId xmlns:a16="http://schemas.microsoft.com/office/drawing/2014/main" xmlns="" id="{5A054E60-1451-4BFE-A023-A4DF0B7F1663}"/>
+                <a16:creationId xmlns="" xmlns:a16="http://schemas.microsoft.com/office/drawing/2014/main" id="{5A054E60-1451-4BFE-A023-A4DF0B7F1663}"/>
               </a:ext>
             </a:extLst>
           </p:cNvPr>
@@ -11205,7 +11249,7 @@
           <p:cNvPr id="3077" name="Rectangle 6">
             <a:extLst>
               <a:ext uri="{FF2B5EF4-FFF2-40B4-BE49-F238E27FC236}">
-                <a16:creationId xmlns:a16="http://schemas.microsoft.com/office/drawing/2014/main" xmlns="" id="{D4108B9B-143E-4D5F-B2C5-7B979A64B87F}"/>
+                <a16:creationId xmlns="" xmlns:a16="http://schemas.microsoft.com/office/drawing/2014/main" id="{D4108B9B-143E-4D5F-B2C5-7B979A64B87F}"/>
               </a:ext>
             </a:extLst>
           </p:cNvPr>
@@ -11382,7 +11426,7 @@
           <p:cNvPr id="3078" name="Rectangle 7">
             <a:extLst>
               <a:ext uri="{FF2B5EF4-FFF2-40B4-BE49-F238E27FC236}">
-                <a16:creationId xmlns:a16="http://schemas.microsoft.com/office/drawing/2014/main" xmlns="" id="{2C2C5CBD-8904-410A-901D-4499337BD262}"/>
+                <a16:creationId xmlns="" xmlns:a16="http://schemas.microsoft.com/office/drawing/2014/main" id="{2C2C5CBD-8904-410A-901D-4499337BD262}"/>
               </a:ext>
             </a:extLst>
           </p:cNvPr>
@@ -11559,7 +11603,7 @@
           <p:cNvPr id="3079" name="Rectangle 8">
             <a:extLst>
               <a:ext uri="{FF2B5EF4-FFF2-40B4-BE49-F238E27FC236}">
-                <a16:creationId xmlns:a16="http://schemas.microsoft.com/office/drawing/2014/main" xmlns="" id="{4FDBE91F-B50C-4798-9349-2A662252E334}"/>
+                <a16:creationId xmlns="" xmlns:a16="http://schemas.microsoft.com/office/drawing/2014/main" id="{4FDBE91F-B50C-4798-9349-2A662252E334}"/>
               </a:ext>
             </a:extLst>
           </p:cNvPr>
@@ -11736,7 +11780,7 @@
           <p:cNvPr id="3080" name="Picture 5">
             <a:extLst>
               <a:ext uri="{FF2B5EF4-FFF2-40B4-BE49-F238E27FC236}">
-                <a16:creationId xmlns:a16="http://schemas.microsoft.com/office/drawing/2014/main" xmlns="" id="{C44D3F9C-B06C-4D17-8564-DC283D6A4E46}"/>
+                <a16:creationId xmlns="" xmlns:a16="http://schemas.microsoft.com/office/drawing/2014/main" id="{C44D3F9C-B06C-4D17-8564-DC283D6A4E46}"/>
               </a:ext>
             </a:extLst>
           </p:cNvPr>
@@ -11855,7 +11899,7 @@
           <p:cNvPr id="4098" name="Picture 4" descr="08">
             <a:extLst>
               <a:ext uri="{FF2B5EF4-FFF2-40B4-BE49-F238E27FC236}">
-                <a16:creationId xmlns:a16="http://schemas.microsoft.com/office/drawing/2014/main" xmlns="" id="{8C139698-8935-4237-9D08-07DB6B3B19A8}"/>
+                <a16:creationId xmlns="" xmlns:a16="http://schemas.microsoft.com/office/drawing/2014/main" id="{8C139698-8935-4237-9D08-07DB6B3B19A8}"/>
               </a:ext>
             </a:extLst>
           </p:cNvPr>
@@ -11915,7 +11959,7 @@
           <p:cNvPr id="4099" name="Rectangle 5">
             <a:extLst>
               <a:ext uri="{FF2B5EF4-FFF2-40B4-BE49-F238E27FC236}">
-                <a16:creationId xmlns:a16="http://schemas.microsoft.com/office/drawing/2014/main" xmlns="" id="{8D0E32BB-9F2D-4736-AA1F-A3FD6F876F11}"/>
+                <a16:creationId xmlns="" xmlns:a16="http://schemas.microsoft.com/office/drawing/2014/main" id="{8D0E32BB-9F2D-4736-AA1F-A3FD6F876F11}"/>
               </a:ext>
             </a:extLst>
           </p:cNvPr>
@@ -12232,7 +12276,7 @@
           <p:cNvPr id="5123" name="Text Box 5">
             <a:extLst>
               <a:ext uri="{FF2B5EF4-FFF2-40B4-BE49-F238E27FC236}">
-                <a16:creationId xmlns:a16="http://schemas.microsoft.com/office/drawing/2014/main" xmlns="" id="{80443669-B4DB-4504-ACF5-BCC233134B1B}"/>
+                <a16:creationId xmlns="" xmlns:a16="http://schemas.microsoft.com/office/drawing/2014/main" id="{80443669-B4DB-4504-ACF5-BCC233134B1B}"/>
               </a:ext>
             </a:extLst>
           </p:cNvPr>
@@ -12432,7 +12476,7 @@
           <p:cNvPr id="5127" name="Rectangle 10">
             <a:extLst>
               <a:ext uri="{FF2B5EF4-FFF2-40B4-BE49-F238E27FC236}">
-                <a16:creationId xmlns:a16="http://schemas.microsoft.com/office/drawing/2014/main" xmlns="" id="{C6B0D4E7-088E-4AFF-8702-57CBB2E7E183}"/>
+                <a16:creationId xmlns="" xmlns:a16="http://schemas.microsoft.com/office/drawing/2014/main" id="{C6B0D4E7-088E-4AFF-8702-57CBB2E7E183}"/>
               </a:ext>
             </a:extLst>
           </p:cNvPr>
@@ -12609,7 +12653,7 @@
           <p:cNvPr id="3" name="Picture 2">
             <a:extLst>
               <a:ext uri="{FF2B5EF4-FFF2-40B4-BE49-F238E27FC236}">
-                <a16:creationId xmlns:a16="http://schemas.microsoft.com/office/drawing/2014/main" xmlns="" id="{9CCAFEBF-6A63-4870-9BDF-00EB301F68F5}"/>
+                <a16:creationId xmlns="" xmlns:a16="http://schemas.microsoft.com/office/drawing/2014/main" id="{9CCAFEBF-6A63-4870-9BDF-00EB301F68F5}"/>
               </a:ext>
             </a:extLst>
           </p:cNvPr>
@@ -12634,6 +12678,30 @@
           <a:xfrm>
             <a:off x="990600" y="1524000"/>
             <a:ext cx="3962400" cy="2492477"/>
+          </a:xfrm>
+          <a:prstGeom prst="rect">
+            <a:avLst/>
+          </a:prstGeom>
+        </p:spPr>
+      </p:pic>
+      <p:pic>
+        <p:nvPicPr>
+          <p:cNvPr id="5" name="Picture 4"/>
+          <p:cNvPicPr>
+            <a:picLocks noChangeAspect="1"/>
+          </p:cNvPicPr>
+          <p:nvPr/>
+        </p:nvPicPr>
+        <p:blipFill>
+          <a:blip r:embed="rId3"/>
+          <a:stretch>
+            <a:fillRect/>
+          </a:stretch>
+        </p:blipFill>
+        <p:spPr>
+          <a:xfrm>
+            <a:off x="1828800" y="5029200"/>
+            <a:ext cx="2933700" cy="809625"/>
           </a:xfrm>
           <a:prstGeom prst="rect">
             <a:avLst/>

--- a/Labs/GraphLab/Graph Lab.pptx
+++ b/Labs/GraphLab/Graph Lab.pptx
@@ -278,7 +278,7 @@
           <p:cNvPr id="4" name="Rectangle 4">
             <a:extLst>
               <a:ext uri="{FF2B5EF4-FFF2-40B4-BE49-F238E27FC236}">
-                <a16:creationId xmlns="" xmlns:a16="http://schemas.microsoft.com/office/drawing/2014/main" id="{9125A82B-2CCF-464E-91C1-C2331CDBA5A0}"/>
+                <a16:creationId xmlns:a16="http://schemas.microsoft.com/office/drawing/2014/main" xmlns="" id="{9125A82B-2CCF-464E-91C1-C2331CDBA5A0}"/>
               </a:ext>
             </a:extLst>
           </p:cNvPr>
@@ -312,7 +312,7 @@
           <p:cNvPr id="5" name="Rectangle 5">
             <a:extLst>
               <a:ext uri="{FF2B5EF4-FFF2-40B4-BE49-F238E27FC236}">
-                <a16:creationId xmlns="" xmlns:a16="http://schemas.microsoft.com/office/drawing/2014/main" id="{04E3288B-9524-4753-B7CB-1A7EABF3DD04}"/>
+                <a16:creationId xmlns:a16="http://schemas.microsoft.com/office/drawing/2014/main" xmlns="" id="{04E3288B-9524-4753-B7CB-1A7EABF3DD04}"/>
               </a:ext>
             </a:extLst>
           </p:cNvPr>
@@ -346,7 +346,7 @@
           <p:cNvPr id="6" name="Rectangle 6">
             <a:extLst>
               <a:ext uri="{FF2B5EF4-FFF2-40B4-BE49-F238E27FC236}">
-                <a16:creationId xmlns="" xmlns:a16="http://schemas.microsoft.com/office/drawing/2014/main" id="{D31CDB50-91A3-46F3-89B9-1625B4AD1777}"/>
+                <a16:creationId xmlns:a16="http://schemas.microsoft.com/office/drawing/2014/main" xmlns="" id="{D31CDB50-91A3-46F3-89B9-1625B4AD1777}"/>
               </a:ext>
             </a:extLst>
           </p:cNvPr>
@@ -490,7 +490,7 @@
           <p:cNvPr id="4" name="Rectangle 4">
             <a:extLst>
               <a:ext uri="{FF2B5EF4-FFF2-40B4-BE49-F238E27FC236}">
-                <a16:creationId xmlns="" xmlns:a16="http://schemas.microsoft.com/office/drawing/2014/main" id="{3F1E756A-6CC2-49FD-B2C6-94BBA2E28D76}"/>
+                <a16:creationId xmlns:a16="http://schemas.microsoft.com/office/drawing/2014/main" xmlns="" id="{3F1E756A-6CC2-49FD-B2C6-94BBA2E28D76}"/>
               </a:ext>
             </a:extLst>
           </p:cNvPr>
@@ -524,7 +524,7 @@
           <p:cNvPr id="5" name="Rectangle 5">
             <a:extLst>
               <a:ext uri="{FF2B5EF4-FFF2-40B4-BE49-F238E27FC236}">
-                <a16:creationId xmlns="" xmlns:a16="http://schemas.microsoft.com/office/drawing/2014/main" id="{A97474D1-7536-4F1B-9CB0-D3EB9F13FE8C}"/>
+                <a16:creationId xmlns:a16="http://schemas.microsoft.com/office/drawing/2014/main" xmlns="" id="{A97474D1-7536-4F1B-9CB0-D3EB9F13FE8C}"/>
               </a:ext>
             </a:extLst>
           </p:cNvPr>
@@ -558,7 +558,7 @@
           <p:cNvPr id="6" name="Rectangle 6">
             <a:extLst>
               <a:ext uri="{FF2B5EF4-FFF2-40B4-BE49-F238E27FC236}">
-                <a16:creationId xmlns="" xmlns:a16="http://schemas.microsoft.com/office/drawing/2014/main" id="{4C534539-C415-4FB2-BCF4-AA9959083DDA}"/>
+                <a16:creationId xmlns:a16="http://schemas.microsoft.com/office/drawing/2014/main" xmlns="" id="{4C534539-C415-4FB2-BCF4-AA9959083DDA}"/>
               </a:ext>
             </a:extLst>
           </p:cNvPr>
@@ -712,7 +712,7 @@
           <p:cNvPr id="4" name="Rectangle 4">
             <a:extLst>
               <a:ext uri="{FF2B5EF4-FFF2-40B4-BE49-F238E27FC236}">
-                <a16:creationId xmlns="" xmlns:a16="http://schemas.microsoft.com/office/drawing/2014/main" id="{DBC7C570-8D38-46A4-A221-68C08F27590F}"/>
+                <a16:creationId xmlns:a16="http://schemas.microsoft.com/office/drawing/2014/main" xmlns="" id="{DBC7C570-8D38-46A4-A221-68C08F27590F}"/>
               </a:ext>
             </a:extLst>
           </p:cNvPr>
@@ -746,7 +746,7 @@
           <p:cNvPr id="5" name="Rectangle 5">
             <a:extLst>
               <a:ext uri="{FF2B5EF4-FFF2-40B4-BE49-F238E27FC236}">
-                <a16:creationId xmlns="" xmlns:a16="http://schemas.microsoft.com/office/drawing/2014/main" id="{4ADE6BD3-ADB3-4002-8C56-DD9C0767C1E3}"/>
+                <a16:creationId xmlns:a16="http://schemas.microsoft.com/office/drawing/2014/main" xmlns="" id="{4ADE6BD3-ADB3-4002-8C56-DD9C0767C1E3}"/>
               </a:ext>
             </a:extLst>
           </p:cNvPr>
@@ -780,7 +780,7 @@
           <p:cNvPr id="6" name="Rectangle 6">
             <a:extLst>
               <a:ext uri="{FF2B5EF4-FFF2-40B4-BE49-F238E27FC236}">
-                <a16:creationId xmlns="" xmlns:a16="http://schemas.microsoft.com/office/drawing/2014/main" id="{185F287D-3029-4F09-A12C-3077245F7E11}"/>
+                <a16:creationId xmlns:a16="http://schemas.microsoft.com/office/drawing/2014/main" xmlns="" id="{185F287D-3029-4F09-A12C-3077245F7E11}"/>
               </a:ext>
             </a:extLst>
           </p:cNvPr>
@@ -924,7 +924,7 @@
           <p:cNvPr id="4" name="Rectangle 4">
             <a:extLst>
               <a:ext uri="{FF2B5EF4-FFF2-40B4-BE49-F238E27FC236}">
-                <a16:creationId xmlns="" xmlns:a16="http://schemas.microsoft.com/office/drawing/2014/main" id="{3A352CC2-7A15-453A-8A90-1F38E659B289}"/>
+                <a16:creationId xmlns:a16="http://schemas.microsoft.com/office/drawing/2014/main" xmlns="" id="{3A352CC2-7A15-453A-8A90-1F38E659B289}"/>
               </a:ext>
             </a:extLst>
           </p:cNvPr>
@@ -958,7 +958,7 @@
           <p:cNvPr id="5" name="Rectangle 5">
             <a:extLst>
               <a:ext uri="{FF2B5EF4-FFF2-40B4-BE49-F238E27FC236}">
-                <a16:creationId xmlns="" xmlns:a16="http://schemas.microsoft.com/office/drawing/2014/main" id="{9FAF9D89-D6A0-44FB-B1F4-25AA5E7B1465}"/>
+                <a16:creationId xmlns:a16="http://schemas.microsoft.com/office/drawing/2014/main" xmlns="" id="{9FAF9D89-D6A0-44FB-B1F4-25AA5E7B1465}"/>
               </a:ext>
             </a:extLst>
           </p:cNvPr>
@@ -992,7 +992,7 @@
           <p:cNvPr id="6" name="Rectangle 6">
             <a:extLst>
               <a:ext uri="{FF2B5EF4-FFF2-40B4-BE49-F238E27FC236}">
-                <a16:creationId xmlns="" xmlns:a16="http://schemas.microsoft.com/office/drawing/2014/main" id="{CB0E09AB-3569-46C7-970E-7400B31AEDDC}"/>
+                <a16:creationId xmlns:a16="http://schemas.microsoft.com/office/drawing/2014/main" xmlns="" id="{CB0E09AB-3569-46C7-970E-7400B31AEDDC}"/>
               </a:ext>
             </a:extLst>
           </p:cNvPr>
@@ -1159,7 +1159,7 @@
           <p:cNvPr id="4" name="Rectangle 4">
             <a:extLst>
               <a:ext uri="{FF2B5EF4-FFF2-40B4-BE49-F238E27FC236}">
-                <a16:creationId xmlns="" xmlns:a16="http://schemas.microsoft.com/office/drawing/2014/main" id="{1BAA8AC3-8641-4349-901B-71EBF912125C}"/>
+                <a16:creationId xmlns:a16="http://schemas.microsoft.com/office/drawing/2014/main" xmlns="" id="{1BAA8AC3-8641-4349-901B-71EBF912125C}"/>
               </a:ext>
             </a:extLst>
           </p:cNvPr>
@@ -1193,7 +1193,7 @@
           <p:cNvPr id="5" name="Rectangle 5">
             <a:extLst>
               <a:ext uri="{FF2B5EF4-FFF2-40B4-BE49-F238E27FC236}">
-                <a16:creationId xmlns="" xmlns:a16="http://schemas.microsoft.com/office/drawing/2014/main" id="{D70D7D54-C431-45F7-A332-5F0286C9B70F}"/>
+                <a16:creationId xmlns:a16="http://schemas.microsoft.com/office/drawing/2014/main" xmlns="" id="{D70D7D54-C431-45F7-A332-5F0286C9B70F}"/>
               </a:ext>
             </a:extLst>
           </p:cNvPr>
@@ -1227,7 +1227,7 @@
           <p:cNvPr id="6" name="Rectangle 6">
             <a:extLst>
               <a:ext uri="{FF2B5EF4-FFF2-40B4-BE49-F238E27FC236}">
-                <a16:creationId xmlns="" xmlns:a16="http://schemas.microsoft.com/office/drawing/2014/main" id="{5D5FC0BE-BDCC-4B7C-9C5B-908B58162552}"/>
+                <a16:creationId xmlns:a16="http://schemas.microsoft.com/office/drawing/2014/main" xmlns="" id="{5D5FC0BE-BDCC-4B7C-9C5B-908B58162552}"/>
               </a:ext>
             </a:extLst>
           </p:cNvPr>
@@ -1488,7 +1488,7 @@
           <p:cNvPr id="5" name="Rectangle 4">
             <a:extLst>
               <a:ext uri="{FF2B5EF4-FFF2-40B4-BE49-F238E27FC236}">
-                <a16:creationId xmlns="" xmlns:a16="http://schemas.microsoft.com/office/drawing/2014/main" id="{E3ED5431-C216-478F-AD06-B324F4216E14}"/>
+                <a16:creationId xmlns:a16="http://schemas.microsoft.com/office/drawing/2014/main" xmlns="" id="{E3ED5431-C216-478F-AD06-B324F4216E14}"/>
               </a:ext>
             </a:extLst>
           </p:cNvPr>
@@ -1522,7 +1522,7 @@
           <p:cNvPr id="6" name="Rectangle 5">
             <a:extLst>
               <a:ext uri="{FF2B5EF4-FFF2-40B4-BE49-F238E27FC236}">
-                <a16:creationId xmlns="" xmlns:a16="http://schemas.microsoft.com/office/drawing/2014/main" id="{9F73BD0F-AEFB-4A07-A2F0-D4229A319F59}"/>
+                <a16:creationId xmlns:a16="http://schemas.microsoft.com/office/drawing/2014/main" xmlns="" id="{9F73BD0F-AEFB-4A07-A2F0-D4229A319F59}"/>
               </a:ext>
             </a:extLst>
           </p:cNvPr>
@@ -1556,7 +1556,7 @@
           <p:cNvPr id="7" name="Rectangle 6">
             <a:extLst>
               <a:ext uri="{FF2B5EF4-FFF2-40B4-BE49-F238E27FC236}">
-                <a16:creationId xmlns="" xmlns:a16="http://schemas.microsoft.com/office/drawing/2014/main" id="{CE70E720-1A03-4226-9F7D-49154454FF63}"/>
+                <a16:creationId xmlns:a16="http://schemas.microsoft.com/office/drawing/2014/main" xmlns="" id="{CE70E720-1A03-4226-9F7D-49154454FF63}"/>
               </a:ext>
             </a:extLst>
           </p:cNvPr>
@@ -1956,7 +1956,7 @@
           <p:cNvPr id="7" name="Rectangle 4">
             <a:extLst>
               <a:ext uri="{FF2B5EF4-FFF2-40B4-BE49-F238E27FC236}">
-                <a16:creationId xmlns="" xmlns:a16="http://schemas.microsoft.com/office/drawing/2014/main" id="{F9722A30-726A-4684-899A-C9BAAEFAA449}"/>
+                <a16:creationId xmlns:a16="http://schemas.microsoft.com/office/drawing/2014/main" xmlns="" id="{F9722A30-726A-4684-899A-C9BAAEFAA449}"/>
               </a:ext>
             </a:extLst>
           </p:cNvPr>
@@ -1990,7 +1990,7 @@
           <p:cNvPr id="8" name="Rectangle 5">
             <a:extLst>
               <a:ext uri="{FF2B5EF4-FFF2-40B4-BE49-F238E27FC236}">
-                <a16:creationId xmlns="" xmlns:a16="http://schemas.microsoft.com/office/drawing/2014/main" id="{3E954E49-D61A-48C7-B3E1-87D24A550CFE}"/>
+                <a16:creationId xmlns:a16="http://schemas.microsoft.com/office/drawing/2014/main" xmlns="" id="{3E954E49-D61A-48C7-B3E1-87D24A550CFE}"/>
               </a:ext>
             </a:extLst>
           </p:cNvPr>
@@ -2024,7 +2024,7 @@
           <p:cNvPr id="9" name="Rectangle 6">
             <a:extLst>
               <a:ext uri="{FF2B5EF4-FFF2-40B4-BE49-F238E27FC236}">
-                <a16:creationId xmlns="" xmlns:a16="http://schemas.microsoft.com/office/drawing/2014/main" id="{DAD96845-8722-40D1-B7B6-19DA62CC0B0F}"/>
+                <a16:creationId xmlns:a16="http://schemas.microsoft.com/office/drawing/2014/main" xmlns="" id="{DAD96845-8722-40D1-B7B6-19DA62CC0B0F}"/>
               </a:ext>
             </a:extLst>
           </p:cNvPr>
@@ -2117,7 +2117,7 @@
           <p:cNvPr id="3" name="Rectangle 4">
             <a:extLst>
               <a:ext uri="{FF2B5EF4-FFF2-40B4-BE49-F238E27FC236}">
-                <a16:creationId xmlns="" xmlns:a16="http://schemas.microsoft.com/office/drawing/2014/main" id="{0B8C6C15-FD56-4ABA-AB12-BAA70ACDFB58}"/>
+                <a16:creationId xmlns:a16="http://schemas.microsoft.com/office/drawing/2014/main" xmlns="" id="{0B8C6C15-FD56-4ABA-AB12-BAA70ACDFB58}"/>
               </a:ext>
             </a:extLst>
           </p:cNvPr>
@@ -2151,7 +2151,7 @@
           <p:cNvPr id="4" name="Rectangle 5">
             <a:extLst>
               <a:ext uri="{FF2B5EF4-FFF2-40B4-BE49-F238E27FC236}">
-                <a16:creationId xmlns="" xmlns:a16="http://schemas.microsoft.com/office/drawing/2014/main" id="{DD50E1FB-2178-4660-859C-59A4AD37360D}"/>
+                <a16:creationId xmlns:a16="http://schemas.microsoft.com/office/drawing/2014/main" xmlns="" id="{DD50E1FB-2178-4660-859C-59A4AD37360D}"/>
               </a:ext>
             </a:extLst>
           </p:cNvPr>
@@ -2185,7 +2185,7 @@
           <p:cNvPr id="5" name="Rectangle 6">
             <a:extLst>
               <a:ext uri="{FF2B5EF4-FFF2-40B4-BE49-F238E27FC236}">
-                <a16:creationId xmlns="" xmlns:a16="http://schemas.microsoft.com/office/drawing/2014/main" id="{1AA6322A-92C9-446C-930A-0698A19F92D6}"/>
+                <a16:creationId xmlns:a16="http://schemas.microsoft.com/office/drawing/2014/main" xmlns="" id="{1AA6322A-92C9-446C-930A-0698A19F92D6}"/>
               </a:ext>
             </a:extLst>
           </p:cNvPr>
@@ -2256,7 +2256,7 @@
           <p:cNvPr id="2" name="Rectangle 4">
             <a:extLst>
               <a:ext uri="{FF2B5EF4-FFF2-40B4-BE49-F238E27FC236}">
-                <a16:creationId xmlns="" xmlns:a16="http://schemas.microsoft.com/office/drawing/2014/main" id="{C26BD151-6E80-4919-A6C6-E85E8962B2B8}"/>
+                <a16:creationId xmlns:a16="http://schemas.microsoft.com/office/drawing/2014/main" xmlns="" id="{C26BD151-6E80-4919-A6C6-E85E8962B2B8}"/>
               </a:ext>
             </a:extLst>
           </p:cNvPr>
@@ -2290,7 +2290,7 @@
           <p:cNvPr id="3" name="Rectangle 5">
             <a:extLst>
               <a:ext uri="{FF2B5EF4-FFF2-40B4-BE49-F238E27FC236}">
-                <a16:creationId xmlns="" xmlns:a16="http://schemas.microsoft.com/office/drawing/2014/main" id="{0EDE622F-11F0-46C9-85F2-95727BDB7102}"/>
+                <a16:creationId xmlns:a16="http://schemas.microsoft.com/office/drawing/2014/main" xmlns="" id="{0EDE622F-11F0-46C9-85F2-95727BDB7102}"/>
               </a:ext>
             </a:extLst>
           </p:cNvPr>
@@ -2324,7 +2324,7 @@
           <p:cNvPr id="4" name="Rectangle 6">
             <a:extLst>
               <a:ext uri="{FF2B5EF4-FFF2-40B4-BE49-F238E27FC236}">
-                <a16:creationId xmlns="" xmlns:a16="http://schemas.microsoft.com/office/drawing/2014/main" id="{2738D21C-6B11-469E-BF8F-83948469C378}"/>
+                <a16:creationId xmlns:a16="http://schemas.microsoft.com/office/drawing/2014/main" xmlns="" id="{2738D21C-6B11-469E-BF8F-83948469C378}"/>
               </a:ext>
             </a:extLst>
           </p:cNvPr>
@@ -2575,7 +2575,7 @@
           <p:cNvPr id="5" name="Rectangle 4">
             <a:extLst>
               <a:ext uri="{FF2B5EF4-FFF2-40B4-BE49-F238E27FC236}">
-                <a16:creationId xmlns="" xmlns:a16="http://schemas.microsoft.com/office/drawing/2014/main" id="{9CB731B5-3765-429E-872A-8668632123DD}"/>
+                <a16:creationId xmlns:a16="http://schemas.microsoft.com/office/drawing/2014/main" xmlns="" id="{9CB731B5-3765-429E-872A-8668632123DD}"/>
               </a:ext>
             </a:extLst>
           </p:cNvPr>
@@ -2609,7 +2609,7 @@
           <p:cNvPr id="6" name="Rectangle 5">
             <a:extLst>
               <a:ext uri="{FF2B5EF4-FFF2-40B4-BE49-F238E27FC236}">
-                <a16:creationId xmlns="" xmlns:a16="http://schemas.microsoft.com/office/drawing/2014/main" id="{8507C996-8DF7-4E2F-AF23-8DAE146FF66E}"/>
+                <a16:creationId xmlns:a16="http://schemas.microsoft.com/office/drawing/2014/main" xmlns="" id="{8507C996-8DF7-4E2F-AF23-8DAE146FF66E}"/>
               </a:ext>
             </a:extLst>
           </p:cNvPr>
@@ -2643,7 +2643,7 @@
           <p:cNvPr id="7" name="Rectangle 6">
             <a:extLst>
               <a:ext uri="{FF2B5EF4-FFF2-40B4-BE49-F238E27FC236}">
-                <a16:creationId xmlns="" xmlns:a16="http://schemas.microsoft.com/office/drawing/2014/main" id="{1E165721-1FB1-4FD2-A3E1-477148721D0A}"/>
+                <a16:creationId xmlns:a16="http://schemas.microsoft.com/office/drawing/2014/main" xmlns="" id="{1E165721-1FB1-4FD2-A3E1-477148721D0A}"/>
               </a:ext>
             </a:extLst>
           </p:cNvPr>
@@ -2872,7 +2872,7 @@
           <p:cNvPr id="5" name="Rectangle 4">
             <a:extLst>
               <a:ext uri="{FF2B5EF4-FFF2-40B4-BE49-F238E27FC236}">
-                <a16:creationId xmlns="" xmlns:a16="http://schemas.microsoft.com/office/drawing/2014/main" id="{434575CE-128F-476E-9884-744818038228}"/>
+                <a16:creationId xmlns:a16="http://schemas.microsoft.com/office/drawing/2014/main" xmlns="" id="{434575CE-128F-476E-9884-744818038228}"/>
               </a:ext>
             </a:extLst>
           </p:cNvPr>
@@ -2906,7 +2906,7 @@
           <p:cNvPr id="6" name="Rectangle 5">
             <a:extLst>
               <a:ext uri="{FF2B5EF4-FFF2-40B4-BE49-F238E27FC236}">
-                <a16:creationId xmlns="" xmlns:a16="http://schemas.microsoft.com/office/drawing/2014/main" id="{2F8A3289-721A-48D4-BD33-CB44F14573EC}"/>
+                <a16:creationId xmlns:a16="http://schemas.microsoft.com/office/drawing/2014/main" xmlns="" id="{2F8A3289-721A-48D4-BD33-CB44F14573EC}"/>
               </a:ext>
             </a:extLst>
           </p:cNvPr>
@@ -2940,7 +2940,7 @@
           <p:cNvPr id="7" name="Rectangle 6">
             <a:extLst>
               <a:ext uri="{FF2B5EF4-FFF2-40B4-BE49-F238E27FC236}">
-                <a16:creationId xmlns="" xmlns:a16="http://schemas.microsoft.com/office/drawing/2014/main" id="{619935AD-6A4E-4742-A5EC-70E337C65E5F}"/>
+                <a16:creationId xmlns:a16="http://schemas.microsoft.com/office/drawing/2014/main" xmlns="" id="{619935AD-6A4E-4742-A5EC-70E337C65E5F}"/>
               </a:ext>
             </a:extLst>
           </p:cNvPr>
@@ -3019,7 +3019,7 @@
           <p:cNvPr id="1026" name="Rectangle 2">
             <a:extLst>
               <a:ext uri="{FF2B5EF4-FFF2-40B4-BE49-F238E27FC236}">
-                <a16:creationId xmlns="" xmlns:a16="http://schemas.microsoft.com/office/drawing/2014/main" id="{4BC1576A-CAC6-4108-AC52-7CAE92E892F0}"/>
+                <a16:creationId xmlns:a16="http://schemas.microsoft.com/office/drawing/2014/main" xmlns="" id="{4BC1576A-CAC6-4108-AC52-7CAE92E892F0}"/>
               </a:ext>
             </a:extLst>
           </p:cNvPr>
@@ -3083,7 +3083,7 @@
           <p:cNvPr id="1027" name="Rectangle 3">
             <a:extLst>
               <a:ext uri="{FF2B5EF4-FFF2-40B4-BE49-F238E27FC236}">
-                <a16:creationId xmlns="" xmlns:a16="http://schemas.microsoft.com/office/drawing/2014/main" id="{67FFCB32-D8F0-40DD-8DDD-4FE31F5DEF86}"/>
+                <a16:creationId xmlns:a16="http://schemas.microsoft.com/office/drawing/2014/main" xmlns="" id="{67FFCB32-D8F0-40DD-8DDD-4FE31F5DEF86}"/>
               </a:ext>
             </a:extLst>
           </p:cNvPr>
@@ -3175,7 +3175,7 @@
           <p:cNvPr id="1028" name="Rectangle 4">
             <a:extLst>
               <a:ext uri="{FF2B5EF4-FFF2-40B4-BE49-F238E27FC236}">
-                <a16:creationId xmlns="" xmlns:a16="http://schemas.microsoft.com/office/drawing/2014/main" id="{75817BB7-B3C8-41CB-87F5-8A89D275B32F}"/>
+                <a16:creationId xmlns:a16="http://schemas.microsoft.com/office/drawing/2014/main" xmlns="" id="{75817BB7-B3C8-41CB-87F5-8A89D275B32F}"/>
               </a:ext>
             </a:extLst>
           </p:cNvPr>
@@ -3227,7 +3227,7 @@
           <p:cNvPr id="1029" name="Rectangle 5">
             <a:extLst>
               <a:ext uri="{FF2B5EF4-FFF2-40B4-BE49-F238E27FC236}">
-                <a16:creationId xmlns="" xmlns:a16="http://schemas.microsoft.com/office/drawing/2014/main" id="{B305F237-D2AD-46AB-9089-261059316DAC}"/>
+                <a16:creationId xmlns:a16="http://schemas.microsoft.com/office/drawing/2014/main" xmlns="" id="{B305F237-D2AD-46AB-9089-261059316DAC}"/>
               </a:ext>
             </a:extLst>
           </p:cNvPr>
@@ -3279,7 +3279,7 @@
           <p:cNvPr id="1030" name="Rectangle 6">
             <a:extLst>
               <a:ext uri="{FF2B5EF4-FFF2-40B4-BE49-F238E27FC236}">
-                <a16:creationId xmlns="" xmlns:a16="http://schemas.microsoft.com/office/drawing/2014/main" id="{8A19BE72-D15C-4880-BADE-7EDEFB1FE987}"/>
+                <a16:creationId xmlns:a16="http://schemas.microsoft.com/office/drawing/2014/main" xmlns="" id="{8A19BE72-D15C-4880-BADE-7EDEFB1FE987}"/>
               </a:ext>
             </a:extLst>
           </p:cNvPr>
@@ -3740,7 +3740,7 @@
           <p:cNvPr id="2050" name="Object 2">
             <a:extLst>
               <a:ext uri="{FF2B5EF4-FFF2-40B4-BE49-F238E27FC236}">
-                <a16:creationId xmlns="" xmlns:a16="http://schemas.microsoft.com/office/drawing/2014/main" id="{0FC2EDEB-CD6D-479E-AC2A-6579F6E4CF69}"/>
+                <a16:creationId xmlns:a16="http://schemas.microsoft.com/office/drawing/2014/main" xmlns="" id="{0FC2EDEB-CD6D-479E-AC2A-6579F6E4CF69}"/>
               </a:ext>
             </a:extLst>
           </p:cNvPr>
@@ -3763,7 +3763,7 @@
           <a:graphicData uri="http://schemas.openxmlformats.org/presentationml/2006/ole">
             <mc:AlternateContent xmlns:mc="http://schemas.openxmlformats.org/markup-compatibility/2006">
               <mc:Choice xmlns:v="urn:schemas-microsoft-com:vml" Requires="v">
-                <p:oleObj spid="_x0000_s2074" name="Document" r:id="rId3" imgW="5491805" imgH="2460978" progId="Word.Document.8">
+                <p:oleObj spid="_x0000_s2077" name="Document" r:id="rId3" imgW="5491805" imgH="2460978" progId="Word.Document.8">
                   <p:embed/>
                 </p:oleObj>
               </mc:Choice>
@@ -3812,7 +3812,7 @@
           <p:cNvPr id="2051" name="Text Box 3">
             <a:extLst>
               <a:ext uri="{FF2B5EF4-FFF2-40B4-BE49-F238E27FC236}">
-                <a16:creationId xmlns="" xmlns:a16="http://schemas.microsoft.com/office/drawing/2014/main" id="{6F9A29ED-552A-4B04-9BFF-78324234E82F}"/>
+                <a16:creationId xmlns:a16="http://schemas.microsoft.com/office/drawing/2014/main" xmlns="" id="{6F9A29ED-552A-4B04-9BFF-78324234E82F}"/>
               </a:ext>
             </a:extLst>
           </p:cNvPr>
@@ -4022,7 +4022,7 @@
           <p:cNvPr id="2054" name="Rectangle 7">
             <a:extLst>
               <a:ext uri="{FF2B5EF4-FFF2-40B4-BE49-F238E27FC236}">
-                <a16:creationId xmlns="" xmlns:a16="http://schemas.microsoft.com/office/drawing/2014/main" id="{CD9F0903-62EA-42BD-8AD2-C0B50A702B61}"/>
+                <a16:creationId xmlns:a16="http://schemas.microsoft.com/office/drawing/2014/main" xmlns="" id="{CD9F0903-62EA-42BD-8AD2-C0B50A702B61}"/>
               </a:ext>
             </a:extLst>
           </p:cNvPr>
@@ -4462,7 +4462,7 @@
           <p:cNvPr id="2055" name="Rectangle 8">
             <a:extLst>
               <a:ext uri="{FF2B5EF4-FFF2-40B4-BE49-F238E27FC236}">
-                <a16:creationId xmlns="" xmlns:a16="http://schemas.microsoft.com/office/drawing/2014/main" id="{23AE5A62-58FC-45BC-8E66-2A3E942B3F09}"/>
+                <a16:creationId xmlns:a16="http://schemas.microsoft.com/office/drawing/2014/main" xmlns="" id="{23AE5A62-58FC-45BC-8E66-2A3E942B3F09}"/>
               </a:ext>
             </a:extLst>
           </p:cNvPr>
@@ -4639,7 +4639,7 @@
           <p:cNvPr id="2056" name="Text Box 9">
             <a:extLst>
               <a:ext uri="{FF2B5EF4-FFF2-40B4-BE49-F238E27FC236}">
-                <a16:creationId xmlns="" xmlns:a16="http://schemas.microsoft.com/office/drawing/2014/main" id="{DF9A9F0D-E17B-4441-A5AB-ABE3472E3D2B}"/>
+                <a16:creationId xmlns:a16="http://schemas.microsoft.com/office/drawing/2014/main" xmlns="" id="{DF9A9F0D-E17B-4441-A5AB-ABE3472E3D2B}"/>
               </a:ext>
             </a:extLst>
           </p:cNvPr>
@@ -5629,7 +5629,7 @@
           <p:cNvPr id="6146" name="Picture 4" descr="08">
             <a:extLst>
               <a:ext uri="{FF2B5EF4-FFF2-40B4-BE49-F238E27FC236}">
-                <a16:creationId xmlns="" xmlns:a16="http://schemas.microsoft.com/office/drawing/2014/main" id="{9FE784F9-D9A7-4F7B-AD49-6C3E9EEF2890}"/>
+                <a16:creationId xmlns:a16="http://schemas.microsoft.com/office/drawing/2014/main" xmlns="" id="{9FE784F9-D9A7-4F7B-AD49-6C3E9EEF2890}"/>
               </a:ext>
             </a:extLst>
           </p:cNvPr>
@@ -5689,7 +5689,7 @@
           <p:cNvPr id="6147" name="Rectangle 5">
             <a:extLst>
               <a:ext uri="{FF2B5EF4-FFF2-40B4-BE49-F238E27FC236}">
-                <a16:creationId xmlns="" xmlns:a16="http://schemas.microsoft.com/office/drawing/2014/main" id="{FF2496EF-C9B8-49EF-A543-7502752ACE06}"/>
+                <a16:creationId xmlns:a16="http://schemas.microsoft.com/office/drawing/2014/main" xmlns="" id="{FF2496EF-C9B8-49EF-A543-7502752ACE06}"/>
               </a:ext>
             </a:extLst>
           </p:cNvPr>
@@ -6028,6 +6028,30 @@
           <a:chExt cx="0" cy="0"/>
         </a:xfrm>
       </p:grpSpPr>
+      <p:pic>
+        <p:nvPicPr>
+          <p:cNvPr id="7" name="Picture 6"/>
+          <p:cNvPicPr>
+            <a:picLocks noChangeAspect="1"/>
+          </p:cNvPicPr>
+          <p:nvPr/>
+        </p:nvPicPr>
+        <p:blipFill>
+          <a:blip r:embed="rId2"/>
+          <a:stretch>
+            <a:fillRect/>
+          </a:stretch>
+        </p:blipFill>
+        <p:spPr>
+          <a:xfrm>
+            <a:off x="293514" y="4038601"/>
+            <a:ext cx="5757330" cy="1523999"/>
+          </a:xfrm>
+          <a:prstGeom prst="rect">
+            <a:avLst/>
+          </a:prstGeom>
+        </p:spPr>
+      </p:pic>
       <p:sp>
         <p:nvSpPr>
           <p:cNvPr id="4" name="Title 3"/>
@@ -6043,7 +6067,13 @@
           <a:bodyPr/>
           <a:lstStyle/>
           <a:p>
-            <a:endParaRPr lang="en-US" sz="1200" dirty="0"/>
+            <a:r>
+              <a:rPr lang="en-US" sz="2000" dirty="0">
+                <a:hlinkClick r:id="rId3"/>
+              </a:rPr>
+              <a:t>https://github.com/farshadsafavi/Computer-ScienceII/tree/master/Labs/GraphLab</a:t>
+            </a:r>
+            <a:endParaRPr lang="en-US" sz="2000" dirty="0"/>
           </a:p>
         </p:txBody>
       </p:sp>
@@ -6082,7 +6112,7 @@
           <p:cNvPr id="3074" name="Text Box 2">
             <a:extLst>
               <a:ext uri="{FF2B5EF4-FFF2-40B4-BE49-F238E27FC236}">
-                <a16:creationId xmlns="" xmlns:a16="http://schemas.microsoft.com/office/drawing/2014/main" id="{C129A688-1F3C-4C9F-9AC5-19802C32F77A}"/>
+                <a16:creationId xmlns:a16="http://schemas.microsoft.com/office/drawing/2014/main" xmlns="" id="{C129A688-1F3C-4C9F-9AC5-19802C32F77A}"/>
               </a:ext>
             </a:extLst>
           </p:cNvPr>
@@ -6282,7 +6312,7 @@
           <p:cNvPr id="3075" name="Rectangle 3">
             <a:extLst>
               <a:ext uri="{FF2B5EF4-FFF2-40B4-BE49-F238E27FC236}">
-                <a16:creationId xmlns="" xmlns:a16="http://schemas.microsoft.com/office/drawing/2014/main" id="{3F1D4401-FBEF-43F9-BEE5-1B122142E735}"/>
+                <a16:creationId xmlns:a16="http://schemas.microsoft.com/office/drawing/2014/main" xmlns="" id="{3F1D4401-FBEF-43F9-BEE5-1B122142E735}"/>
               </a:ext>
             </a:extLst>
           </p:cNvPr>
@@ -6459,7 +6489,7 @@
           <p:cNvPr id="7" name="Group 6">
             <a:extLst>
               <a:ext uri="{FF2B5EF4-FFF2-40B4-BE49-F238E27FC236}">
-                <a16:creationId xmlns="" xmlns:a16="http://schemas.microsoft.com/office/drawing/2014/main" id="{A73641C4-B2C2-437B-AAA3-9677860519ED}"/>
+                <a16:creationId xmlns:a16="http://schemas.microsoft.com/office/drawing/2014/main" xmlns="" id="{A73641C4-B2C2-437B-AAA3-9677860519ED}"/>
               </a:ext>
             </a:extLst>
           </p:cNvPr>
@@ -6479,7 +6509,7 @@
             <p:cNvPr id="8" name="Rectangle 4">
               <a:extLst>
                 <a:ext uri="{FF2B5EF4-FFF2-40B4-BE49-F238E27FC236}">
-                  <a16:creationId xmlns="" xmlns:a16="http://schemas.microsoft.com/office/drawing/2014/main" id="{150515A3-7AEC-4F11-96B7-7933E5964D11}"/>
+                  <a16:creationId xmlns:a16="http://schemas.microsoft.com/office/drawing/2014/main" xmlns="" id="{150515A3-7AEC-4F11-96B7-7933E5964D11}"/>
                 </a:ext>
               </a:extLst>
             </p:cNvPr>
@@ -6656,7 +6686,7 @@
             <p:cNvPr id="9" name="Rectangle 5">
               <a:extLst>
                 <a:ext uri="{FF2B5EF4-FFF2-40B4-BE49-F238E27FC236}">
-                  <a16:creationId xmlns="" xmlns:a16="http://schemas.microsoft.com/office/drawing/2014/main" id="{AC614A04-AAA4-4C45-9079-2C377ECCE70B}"/>
+                  <a16:creationId xmlns:a16="http://schemas.microsoft.com/office/drawing/2014/main" xmlns="" id="{AC614A04-AAA4-4C45-9079-2C377ECCE70B}"/>
                 </a:ext>
               </a:extLst>
             </p:cNvPr>
@@ -6833,7 +6863,7 @@
             <p:cNvPr id="10" name="Text Box 10">
               <a:extLst>
                 <a:ext uri="{FF2B5EF4-FFF2-40B4-BE49-F238E27FC236}">
-                  <a16:creationId xmlns="" xmlns:a16="http://schemas.microsoft.com/office/drawing/2014/main" id="{BCC31319-0CFB-4318-B56D-38F795438832}"/>
+                  <a16:creationId xmlns:a16="http://schemas.microsoft.com/office/drawing/2014/main" xmlns="" id="{BCC31319-0CFB-4318-B56D-38F795438832}"/>
                 </a:ext>
               </a:extLst>
             </p:cNvPr>
@@ -7021,7 +7051,7 @@
           <p:cNvPr id="2" name="Rectangle 1">
             <a:extLst>
               <a:ext uri="{FF2B5EF4-FFF2-40B4-BE49-F238E27FC236}">
-                <a16:creationId xmlns="" xmlns:a16="http://schemas.microsoft.com/office/drawing/2014/main" id="{E4B944C5-4159-45AC-A452-4E3D1B0B311C}"/>
+                <a16:creationId xmlns:a16="http://schemas.microsoft.com/office/drawing/2014/main" xmlns="" id="{E4B944C5-4159-45AC-A452-4E3D1B0B311C}"/>
               </a:ext>
             </a:extLst>
           </p:cNvPr>
@@ -9174,7 +9204,7 @@
           <p:cNvPr id="2" name="Picture 2">
             <a:extLst>
               <a:ext uri="{FF2B5EF4-FFF2-40B4-BE49-F238E27FC236}">
-                <a16:creationId xmlns="" xmlns:a16="http://schemas.microsoft.com/office/drawing/2014/main" id="{9B977FDE-32EA-465E-AADB-9C989EE1CA51}"/>
+                <a16:creationId xmlns:a16="http://schemas.microsoft.com/office/drawing/2014/main" xmlns="" id="{9B977FDE-32EA-465E-AADB-9C989EE1CA51}"/>
               </a:ext>
             </a:extLst>
           </p:cNvPr>
@@ -9234,7 +9264,7 @@
           <p:cNvPr id="3" name="Rectangle 4">
             <a:extLst>
               <a:ext uri="{FF2B5EF4-FFF2-40B4-BE49-F238E27FC236}">
-                <a16:creationId xmlns="" xmlns:a16="http://schemas.microsoft.com/office/drawing/2014/main" id="{644F9C34-5703-4C24-9E52-5CCFFBD67C78}"/>
+                <a16:creationId xmlns:a16="http://schemas.microsoft.com/office/drawing/2014/main" xmlns="" id="{644F9C34-5703-4C24-9E52-5CCFFBD67C78}"/>
               </a:ext>
             </a:extLst>
           </p:cNvPr>
@@ -9724,7 +9754,7 @@
           <p:cNvPr id="4" name="Text Box 5">
             <a:extLst>
               <a:ext uri="{FF2B5EF4-FFF2-40B4-BE49-F238E27FC236}">
-                <a16:creationId xmlns="" xmlns:a16="http://schemas.microsoft.com/office/drawing/2014/main" id="{F45A182C-00FA-4567-8FE6-CAFB6DBCF4CD}"/>
+                <a16:creationId xmlns:a16="http://schemas.microsoft.com/office/drawing/2014/main" xmlns="" id="{F45A182C-00FA-4567-8FE6-CAFB6DBCF4CD}"/>
               </a:ext>
             </a:extLst>
           </p:cNvPr>
@@ -10002,7 +10032,7 @@
           <p:cNvPr id="4098" name="Picture 4" descr="9_633b">
             <a:extLst>
               <a:ext uri="{FF2B5EF4-FFF2-40B4-BE49-F238E27FC236}">
-                <a16:creationId xmlns="" xmlns:a16="http://schemas.microsoft.com/office/drawing/2014/main" id="{31561808-D3EA-42DE-AACF-7FE716DB2F15}"/>
+                <a16:creationId xmlns:a16="http://schemas.microsoft.com/office/drawing/2014/main" xmlns="" id="{31561808-D3EA-42DE-AACF-7FE716DB2F15}"/>
               </a:ext>
             </a:extLst>
           </p:cNvPr>
@@ -10057,7 +10087,7 @@
           <p:cNvPr id="4099" name="Text Box 5">
             <a:extLst>
               <a:ext uri="{FF2B5EF4-FFF2-40B4-BE49-F238E27FC236}">
-                <a16:creationId xmlns="" xmlns:a16="http://schemas.microsoft.com/office/drawing/2014/main" id="{6A9A4ED3-BE14-4EA7-88B6-70C20075BE63}"/>
+                <a16:creationId xmlns:a16="http://schemas.microsoft.com/office/drawing/2014/main" xmlns="" id="{6A9A4ED3-BE14-4EA7-88B6-70C20075BE63}"/>
               </a:ext>
             </a:extLst>
           </p:cNvPr>
@@ -10408,7 +10438,7 @@
           <p:cNvPr id="2050" name="Text Box 5">
             <a:extLst>
               <a:ext uri="{FF2B5EF4-FFF2-40B4-BE49-F238E27FC236}">
-                <a16:creationId xmlns="" xmlns:a16="http://schemas.microsoft.com/office/drawing/2014/main" id="{173F8752-B146-46CD-B46E-CFF49491B82C}"/>
+                <a16:creationId xmlns:a16="http://schemas.microsoft.com/office/drawing/2014/main" xmlns="" id="{173F8752-B146-46CD-B46E-CFF49491B82C}"/>
               </a:ext>
             </a:extLst>
           </p:cNvPr>
@@ -10608,7 +10638,7 @@
           <p:cNvPr id="2051" name="Picture 5">
             <a:extLst>
               <a:ext uri="{FF2B5EF4-FFF2-40B4-BE49-F238E27FC236}">
-                <a16:creationId xmlns="" xmlns:a16="http://schemas.microsoft.com/office/drawing/2014/main" id="{46AC5A2B-1B00-4434-8F50-20AAD41C6BBD}"/>
+                <a16:creationId xmlns:a16="http://schemas.microsoft.com/office/drawing/2014/main" xmlns="" id="{46AC5A2B-1B00-4434-8F50-20AAD41C6BBD}"/>
               </a:ext>
             </a:extLst>
           </p:cNvPr>
@@ -10727,7 +10757,7 @@
           <p:cNvPr id="3074" name="Text Box 3">
             <a:extLst>
               <a:ext uri="{FF2B5EF4-FFF2-40B4-BE49-F238E27FC236}">
-                <a16:creationId xmlns="" xmlns:a16="http://schemas.microsoft.com/office/drawing/2014/main" id="{00A92C8E-6175-4482-94F6-9AEE58F153D5}"/>
+                <a16:creationId xmlns:a16="http://schemas.microsoft.com/office/drawing/2014/main" xmlns="" id="{00A92C8E-6175-4482-94F6-9AEE58F153D5}"/>
               </a:ext>
             </a:extLst>
           </p:cNvPr>
@@ -10895,7 +10925,7 @@
           <p:cNvPr id="3075" name="Rectangle 4">
             <a:extLst>
               <a:ext uri="{FF2B5EF4-FFF2-40B4-BE49-F238E27FC236}">
-                <a16:creationId xmlns="" xmlns:a16="http://schemas.microsoft.com/office/drawing/2014/main" id="{E71DD7EA-C580-43B3-BC05-FA24AC85E0A2}"/>
+                <a16:creationId xmlns:a16="http://schemas.microsoft.com/office/drawing/2014/main" xmlns="" id="{E71DD7EA-C580-43B3-BC05-FA24AC85E0A2}"/>
               </a:ext>
             </a:extLst>
           </p:cNvPr>
@@ -11072,7 +11102,7 @@
           <p:cNvPr id="3076" name="Rectangle 5">
             <a:extLst>
               <a:ext uri="{FF2B5EF4-FFF2-40B4-BE49-F238E27FC236}">
-                <a16:creationId xmlns="" xmlns:a16="http://schemas.microsoft.com/office/drawing/2014/main" id="{5A054E60-1451-4BFE-A023-A4DF0B7F1663}"/>
+                <a16:creationId xmlns:a16="http://schemas.microsoft.com/office/drawing/2014/main" xmlns="" id="{5A054E60-1451-4BFE-A023-A4DF0B7F1663}"/>
               </a:ext>
             </a:extLst>
           </p:cNvPr>
@@ -11249,7 +11279,7 @@
           <p:cNvPr id="3077" name="Rectangle 6">
             <a:extLst>
               <a:ext uri="{FF2B5EF4-FFF2-40B4-BE49-F238E27FC236}">
-                <a16:creationId xmlns="" xmlns:a16="http://schemas.microsoft.com/office/drawing/2014/main" id="{D4108B9B-143E-4D5F-B2C5-7B979A64B87F}"/>
+                <a16:creationId xmlns:a16="http://schemas.microsoft.com/office/drawing/2014/main" xmlns="" id="{D4108B9B-143E-4D5F-B2C5-7B979A64B87F}"/>
               </a:ext>
             </a:extLst>
           </p:cNvPr>
@@ -11426,7 +11456,7 @@
           <p:cNvPr id="3078" name="Rectangle 7">
             <a:extLst>
               <a:ext uri="{FF2B5EF4-FFF2-40B4-BE49-F238E27FC236}">
-                <a16:creationId xmlns="" xmlns:a16="http://schemas.microsoft.com/office/drawing/2014/main" id="{2C2C5CBD-8904-410A-901D-4499337BD262}"/>
+                <a16:creationId xmlns:a16="http://schemas.microsoft.com/office/drawing/2014/main" xmlns="" id="{2C2C5CBD-8904-410A-901D-4499337BD262}"/>
               </a:ext>
             </a:extLst>
           </p:cNvPr>
@@ -11603,7 +11633,7 @@
           <p:cNvPr id="3079" name="Rectangle 8">
             <a:extLst>
               <a:ext uri="{FF2B5EF4-FFF2-40B4-BE49-F238E27FC236}">
-                <a16:creationId xmlns="" xmlns:a16="http://schemas.microsoft.com/office/drawing/2014/main" id="{4FDBE91F-B50C-4798-9349-2A662252E334}"/>
+                <a16:creationId xmlns:a16="http://schemas.microsoft.com/office/drawing/2014/main" xmlns="" id="{4FDBE91F-B50C-4798-9349-2A662252E334}"/>
               </a:ext>
             </a:extLst>
           </p:cNvPr>
@@ -11780,7 +11810,7 @@
           <p:cNvPr id="3080" name="Picture 5">
             <a:extLst>
               <a:ext uri="{FF2B5EF4-FFF2-40B4-BE49-F238E27FC236}">
-                <a16:creationId xmlns="" xmlns:a16="http://schemas.microsoft.com/office/drawing/2014/main" id="{C44D3F9C-B06C-4D17-8564-DC283D6A4E46}"/>
+                <a16:creationId xmlns:a16="http://schemas.microsoft.com/office/drawing/2014/main" xmlns="" id="{C44D3F9C-B06C-4D17-8564-DC283D6A4E46}"/>
               </a:ext>
             </a:extLst>
           </p:cNvPr>
@@ -11899,7 +11929,7 @@
           <p:cNvPr id="4098" name="Picture 4" descr="08">
             <a:extLst>
               <a:ext uri="{FF2B5EF4-FFF2-40B4-BE49-F238E27FC236}">
-                <a16:creationId xmlns="" xmlns:a16="http://schemas.microsoft.com/office/drawing/2014/main" id="{8C139698-8935-4237-9D08-07DB6B3B19A8}"/>
+                <a16:creationId xmlns:a16="http://schemas.microsoft.com/office/drawing/2014/main" xmlns="" id="{8C139698-8935-4237-9D08-07DB6B3B19A8}"/>
               </a:ext>
             </a:extLst>
           </p:cNvPr>
@@ -11959,7 +11989,7 @@
           <p:cNvPr id="4099" name="Rectangle 5">
             <a:extLst>
               <a:ext uri="{FF2B5EF4-FFF2-40B4-BE49-F238E27FC236}">
-                <a16:creationId xmlns="" xmlns:a16="http://schemas.microsoft.com/office/drawing/2014/main" id="{8D0E32BB-9F2D-4736-AA1F-A3FD6F876F11}"/>
+                <a16:creationId xmlns:a16="http://schemas.microsoft.com/office/drawing/2014/main" xmlns="" id="{8D0E32BB-9F2D-4736-AA1F-A3FD6F876F11}"/>
               </a:ext>
             </a:extLst>
           </p:cNvPr>
@@ -12276,7 +12306,7 @@
           <p:cNvPr id="5123" name="Text Box 5">
             <a:extLst>
               <a:ext uri="{FF2B5EF4-FFF2-40B4-BE49-F238E27FC236}">
-                <a16:creationId xmlns="" xmlns:a16="http://schemas.microsoft.com/office/drawing/2014/main" id="{80443669-B4DB-4504-ACF5-BCC233134B1B}"/>
+                <a16:creationId xmlns:a16="http://schemas.microsoft.com/office/drawing/2014/main" xmlns="" id="{80443669-B4DB-4504-ACF5-BCC233134B1B}"/>
               </a:ext>
             </a:extLst>
           </p:cNvPr>
@@ -12476,7 +12506,7 @@
           <p:cNvPr id="5127" name="Rectangle 10">
             <a:extLst>
               <a:ext uri="{FF2B5EF4-FFF2-40B4-BE49-F238E27FC236}">
-                <a16:creationId xmlns="" xmlns:a16="http://schemas.microsoft.com/office/drawing/2014/main" id="{C6B0D4E7-088E-4AFF-8702-57CBB2E7E183}"/>
+                <a16:creationId xmlns:a16="http://schemas.microsoft.com/office/drawing/2014/main" xmlns="" id="{C6B0D4E7-088E-4AFF-8702-57CBB2E7E183}"/>
               </a:ext>
             </a:extLst>
           </p:cNvPr>
@@ -12653,7 +12683,7 @@
           <p:cNvPr id="3" name="Picture 2">
             <a:extLst>
               <a:ext uri="{FF2B5EF4-FFF2-40B4-BE49-F238E27FC236}">
-                <a16:creationId xmlns="" xmlns:a16="http://schemas.microsoft.com/office/drawing/2014/main" id="{9CCAFEBF-6A63-4870-9BDF-00EB301F68F5}"/>
+                <a16:creationId xmlns:a16="http://schemas.microsoft.com/office/drawing/2014/main" xmlns="" id="{9CCAFEBF-6A63-4870-9BDF-00EB301F68F5}"/>
               </a:ext>
             </a:extLst>
           </p:cNvPr>

--- a/Labs/GraphLab/Graph Lab.pptx
+++ b/Labs/GraphLab/Graph Lab.pptx
@@ -278,7 +278,7 @@
           <p:cNvPr id="4" name="Rectangle 4">
             <a:extLst>
               <a:ext uri="{FF2B5EF4-FFF2-40B4-BE49-F238E27FC236}">
-                <a16:creationId xmlns:a16="http://schemas.microsoft.com/office/drawing/2014/main" xmlns="" id="{9125A82B-2CCF-464E-91C1-C2331CDBA5A0}"/>
+                <a16:creationId xmlns="" xmlns:a16="http://schemas.microsoft.com/office/drawing/2014/main" id="{9125A82B-2CCF-464E-91C1-C2331CDBA5A0}"/>
               </a:ext>
             </a:extLst>
           </p:cNvPr>
@@ -312,7 +312,7 @@
           <p:cNvPr id="5" name="Rectangle 5">
             <a:extLst>
               <a:ext uri="{FF2B5EF4-FFF2-40B4-BE49-F238E27FC236}">
-                <a16:creationId xmlns:a16="http://schemas.microsoft.com/office/drawing/2014/main" xmlns="" id="{04E3288B-9524-4753-B7CB-1A7EABF3DD04}"/>
+                <a16:creationId xmlns="" xmlns:a16="http://schemas.microsoft.com/office/drawing/2014/main" id="{04E3288B-9524-4753-B7CB-1A7EABF3DD04}"/>
               </a:ext>
             </a:extLst>
           </p:cNvPr>
@@ -346,7 +346,7 @@
           <p:cNvPr id="6" name="Rectangle 6">
             <a:extLst>
               <a:ext uri="{FF2B5EF4-FFF2-40B4-BE49-F238E27FC236}">
-                <a16:creationId xmlns:a16="http://schemas.microsoft.com/office/drawing/2014/main" xmlns="" id="{D31CDB50-91A3-46F3-89B9-1625B4AD1777}"/>
+                <a16:creationId xmlns="" xmlns:a16="http://schemas.microsoft.com/office/drawing/2014/main" id="{D31CDB50-91A3-46F3-89B9-1625B4AD1777}"/>
               </a:ext>
             </a:extLst>
           </p:cNvPr>
@@ -490,7 +490,7 @@
           <p:cNvPr id="4" name="Rectangle 4">
             <a:extLst>
               <a:ext uri="{FF2B5EF4-FFF2-40B4-BE49-F238E27FC236}">
-                <a16:creationId xmlns:a16="http://schemas.microsoft.com/office/drawing/2014/main" xmlns="" id="{3F1E756A-6CC2-49FD-B2C6-94BBA2E28D76}"/>
+                <a16:creationId xmlns="" xmlns:a16="http://schemas.microsoft.com/office/drawing/2014/main" id="{3F1E756A-6CC2-49FD-B2C6-94BBA2E28D76}"/>
               </a:ext>
             </a:extLst>
           </p:cNvPr>
@@ -524,7 +524,7 @@
           <p:cNvPr id="5" name="Rectangle 5">
             <a:extLst>
               <a:ext uri="{FF2B5EF4-FFF2-40B4-BE49-F238E27FC236}">
-                <a16:creationId xmlns:a16="http://schemas.microsoft.com/office/drawing/2014/main" xmlns="" id="{A97474D1-7536-4F1B-9CB0-D3EB9F13FE8C}"/>
+                <a16:creationId xmlns="" xmlns:a16="http://schemas.microsoft.com/office/drawing/2014/main" id="{A97474D1-7536-4F1B-9CB0-D3EB9F13FE8C}"/>
               </a:ext>
             </a:extLst>
           </p:cNvPr>
@@ -558,7 +558,7 @@
           <p:cNvPr id="6" name="Rectangle 6">
             <a:extLst>
               <a:ext uri="{FF2B5EF4-FFF2-40B4-BE49-F238E27FC236}">
-                <a16:creationId xmlns:a16="http://schemas.microsoft.com/office/drawing/2014/main" xmlns="" id="{4C534539-C415-4FB2-BCF4-AA9959083DDA}"/>
+                <a16:creationId xmlns="" xmlns:a16="http://schemas.microsoft.com/office/drawing/2014/main" id="{4C534539-C415-4FB2-BCF4-AA9959083DDA}"/>
               </a:ext>
             </a:extLst>
           </p:cNvPr>
@@ -712,7 +712,7 @@
           <p:cNvPr id="4" name="Rectangle 4">
             <a:extLst>
               <a:ext uri="{FF2B5EF4-FFF2-40B4-BE49-F238E27FC236}">
-                <a16:creationId xmlns:a16="http://schemas.microsoft.com/office/drawing/2014/main" xmlns="" id="{DBC7C570-8D38-46A4-A221-68C08F27590F}"/>
+                <a16:creationId xmlns="" xmlns:a16="http://schemas.microsoft.com/office/drawing/2014/main" id="{DBC7C570-8D38-46A4-A221-68C08F27590F}"/>
               </a:ext>
             </a:extLst>
           </p:cNvPr>
@@ -746,7 +746,7 @@
           <p:cNvPr id="5" name="Rectangle 5">
             <a:extLst>
               <a:ext uri="{FF2B5EF4-FFF2-40B4-BE49-F238E27FC236}">
-                <a16:creationId xmlns:a16="http://schemas.microsoft.com/office/drawing/2014/main" xmlns="" id="{4ADE6BD3-ADB3-4002-8C56-DD9C0767C1E3}"/>
+                <a16:creationId xmlns="" xmlns:a16="http://schemas.microsoft.com/office/drawing/2014/main" id="{4ADE6BD3-ADB3-4002-8C56-DD9C0767C1E3}"/>
               </a:ext>
             </a:extLst>
           </p:cNvPr>
@@ -780,7 +780,7 @@
           <p:cNvPr id="6" name="Rectangle 6">
             <a:extLst>
               <a:ext uri="{FF2B5EF4-FFF2-40B4-BE49-F238E27FC236}">
-                <a16:creationId xmlns:a16="http://schemas.microsoft.com/office/drawing/2014/main" xmlns="" id="{185F287D-3029-4F09-A12C-3077245F7E11}"/>
+                <a16:creationId xmlns="" xmlns:a16="http://schemas.microsoft.com/office/drawing/2014/main" id="{185F287D-3029-4F09-A12C-3077245F7E11}"/>
               </a:ext>
             </a:extLst>
           </p:cNvPr>
@@ -924,7 +924,7 @@
           <p:cNvPr id="4" name="Rectangle 4">
             <a:extLst>
               <a:ext uri="{FF2B5EF4-FFF2-40B4-BE49-F238E27FC236}">
-                <a16:creationId xmlns:a16="http://schemas.microsoft.com/office/drawing/2014/main" xmlns="" id="{3A352CC2-7A15-453A-8A90-1F38E659B289}"/>
+                <a16:creationId xmlns="" xmlns:a16="http://schemas.microsoft.com/office/drawing/2014/main" id="{3A352CC2-7A15-453A-8A90-1F38E659B289}"/>
               </a:ext>
             </a:extLst>
           </p:cNvPr>
@@ -958,7 +958,7 @@
           <p:cNvPr id="5" name="Rectangle 5">
             <a:extLst>
               <a:ext uri="{FF2B5EF4-FFF2-40B4-BE49-F238E27FC236}">
-                <a16:creationId xmlns:a16="http://schemas.microsoft.com/office/drawing/2014/main" xmlns="" id="{9FAF9D89-D6A0-44FB-B1F4-25AA5E7B1465}"/>
+                <a16:creationId xmlns="" xmlns:a16="http://schemas.microsoft.com/office/drawing/2014/main" id="{9FAF9D89-D6A0-44FB-B1F4-25AA5E7B1465}"/>
               </a:ext>
             </a:extLst>
           </p:cNvPr>
@@ -992,7 +992,7 @@
           <p:cNvPr id="6" name="Rectangle 6">
             <a:extLst>
               <a:ext uri="{FF2B5EF4-FFF2-40B4-BE49-F238E27FC236}">
-                <a16:creationId xmlns:a16="http://schemas.microsoft.com/office/drawing/2014/main" xmlns="" id="{CB0E09AB-3569-46C7-970E-7400B31AEDDC}"/>
+                <a16:creationId xmlns="" xmlns:a16="http://schemas.microsoft.com/office/drawing/2014/main" id="{CB0E09AB-3569-46C7-970E-7400B31AEDDC}"/>
               </a:ext>
             </a:extLst>
           </p:cNvPr>
@@ -1159,7 +1159,7 @@
           <p:cNvPr id="4" name="Rectangle 4">
             <a:extLst>
               <a:ext uri="{FF2B5EF4-FFF2-40B4-BE49-F238E27FC236}">
-                <a16:creationId xmlns:a16="http://schemas.microsoft.com/office/drawing/2014/main" xmlns="" id="{1BAA8AC3-8641-4349-901B-71EBF912125C}"/>
+                <a16:creationId xmlns="" xmlns:a16="http://schemas.microsoft.com/office/drawing/2014/main" id="{1BAA8AC3-8641-4349-901B-71EBF912125C}"/>
               </a:ext>
             </a:extLst>
           </p:cNvPr>
@@ -1193,7 +1193,7 @@
           <p:cNvPr id="5" name="Rectangle 5">
             <a:extLst>
               <a:ext uri="{FF2B5EF4-FFF2-40B4-BE49-F238E27FC236}">
-                <a16:creationId xmlns:a16="http://schemas.microsoft.com/office/drawing/2014/main" xmlns="" id="{D70D7D54-C431-45F7-A332-5F0286C9B70F}"/>
+                <a16:creationId xmlns="" xmlns:a16="http://schemas.microsoft.com/office/drawing/2014/main" id="{D70D7D54-C431-45F7-A332-5F0286C9B70F}"/>
               </a:ext>
             </a:extLst>
           </p:cNvPr>
@@ -1227,7 +1227,7 @@
           <p:cNvPr id="6" name="Rectangle 6">
             <a:extLst>
               <a:ext uri="{FF2B5EF4-FFF2-40B4-BE49-F238E27FC236}">
-                <a16:creationId xmlns:a16="http://schemas.microsoft.com/office/drawing/2014/main" xmlns="" id="{5D5FC0BE-BDCC-4B7C-9C5B-908B58162552}"/>
+                <a16:creationId xmlns="" xmlns:a16="http://schemas.microsoft.com/office/drawing/2014/main" id="{5D5FC0BE-BDCC-4B7C-9C5B-908B58162552}"/>
               </a:ext>
             </a:extLst>
           </p:cNvPr>
@@ -1488,7 +1488,7 @@
           <p:cNvPr id="5" name="Rectangle 4">
             <a:extLst>
               <a:ext uri="{FF2B5EF4-FFF2-40B4-BE49-F238E27FC236}">
-                <a16:creationId xmlns:a16="http://schemas.microsoft.com/office/drawing/2014/main" xmlns="" id="{E3ED5431-C216-478F-AD06-B324F4216E14}"/>
+                <a16:creationId xmlns="" xmlns:a16="http://schemas.microsoft.com/office/drawing/2014/main" id="{E3ED5431-C216-478F-AD06-B324F4216E14}"/>
               </a:ext>
             </a:extLst>
           </p:cNvPr>
@@ -1522,7 +1522,7 @@
           <p:cNvPr id="6" name="Rectangle 5">
             <a:extLst>
               <a:ext uri="{FF2B5EF4-FFF2-40B4-BE49-F238E27FC236}">
-                <a16:creationId xmlns:a16="http://schemas.microsoft.com/office/drawing/2014/main" xmlns="" id="{9F73BD0F-AEFB-4A07-A2F0-D4229A319F59}"/>
+                <a16:creationId xmlns="" xmlns:a16="http://schemas.microsoft.com/office/drawing/2014/main" id="{9F73BD0F-AEFB-4A07-A2F0-D4229A319F59}"/>
               </a:ext>
             </a:extLst>
           </p:cNvPr>
@@ -1556,7 +1556,7 @@
           <p:cNvPr id="7" name="Rectangle 6">
             <a:extLst>
               <a:ext uri="{FF2B5EF4-FFF2-40B4-BE49-F238E27FC236}">
-                <a16:creationId xmlns:a16="http://schemas.microsoft.com/office/drawing/2014/main" xmlns="" id="{CE70E720-1A03-4226-9F7D-49154454FF63}"/>
+                <a16:creationId xmlns="" xmlns:a16="http://schemas.microsoft.com/office/drawing/2014/main" id="{CE70E720-1A03-4226-9F7D-49154454FF63}"/>
               </a:ext>
             </a:extLst>
           </p:cNvPr>
@@ -1956,7 +1956,7 @@
           <p:cNvPr id="7" name="Rectangle 4">
             <a:extLst>
               <a:ext uri="{FF2B5EF4-FFF2-40B4-BE49-F238E27FC236}">
-                <a16:creationId xmlns:a16="http://schemas.microsoft.com/office/drawing/2014/main" xmlns="" id="{F9722A30-726A-4684-899A-C9BAAEFAA449}"/>
+                <a16:creationId xmlns="" xmlns:a16="http://schemas.microsoft.com/office/drawing/2014/main" id="{F9722A30-726A-4684-899A-C9BAAEFAA449}"/>
               </a:ext>
             </a:extLst>
           </p:cNvPr>
@@ -1990,7 +1990,7 @@
           <p:cNvPr id="8" name="Rectangle 5">
             <a:extLst>
               <a:ext uri="{FF2B5EF4-FFF2-40B4-BE49-F238E27FC236}">
-                <a16:creationId xmlns:a16="http://schemas.microsoft.com/office/drawing/2014/main" xmlns="" id="{3E954E49-D61A-48C7-B3E1-87D24A550CFE}"/>
+                <a16:creationId xmlns="" xmlns:a16="http://schemas.microsoft.com/office/drawing/2014/main" id="{3E954E49-D61A-48C7-B3E1-87D24A550CFE}"/>
               </a:ext>
             </a:extLst>
           </p:cNvPr>
@@ -2024,7 +2024,7 @@
           <p:cNvPr id="9" name="Rectangle 6">
             <a:extLst>
               <a:ext uri="{FF2B5EF4-FFF2-40B4-BE49-F238E27FC236}">
-                <a16:creationId xmlns:a16="http://schemas.microsoft.com/office/drawing/2014/main" xmlns="" id="{DAD96845-8722-40D1-B7B6-19DA62CC0B0F}"/>
+                <a16:creationId xmlns="" xmlns:a16="http://schemas.microsoft.com/office/drawing/2014/main" id="{DAD96845-8722-40D1-B7B6-19DA62CC0B0F}"/>
               </a:ext>
             </a:extLst>
           </p:cNvPr>
@@ -2117,7 +2117,7 @@
           <p:cNvPr id="3" name="Rectangle 4">
             <a:extLst>
               <a:ext uri="{FF2B5EF4-FFF2-40B4-BE49-F238E27FC236}">
-                <a16:creationId xmlns:a16="http://schemas.microsoft.com/office/drawing/2014/main" xmlns="" id="{0B8C6C15-FD56-4ABA-AB12-BAA70ACDFB58}"/>
+                <a16:creationId xmlns="" xmlns:a16="http://schemas.microsoft.com/office/drawing/2014/main" id="{0B8C6C15-FD56-4ABA-AB12-BAA70ACDFB58}"/>
               </a:ext>
             </a:extLst>
           </p:cNvPr>
@@ -2151,7 +2151,7 @@
           <p:cNvPr id="4" name="Rectangle 5">
             <a:extLst>
               <a:ext uri="{FF2B5EF4-FFF2-40B4-BE49-F238E27FC236}">
-                <a16:creationId xmlns:a16="http://schemas.microsoft.com/office/drawing/2014/main" xmlns="" id="{DD50E1FB-2178-4660-859C-59A4AD37360D}"/>
+                <a16:creationId xmlns="" xmlns:a16="http://schemas.microsoft.com/office/drawing/2014/main" id="{DD50E1FB-2178-4660-859C-59A4AD37360D}"/>
               </a:ext>
             </a:extLst>
           </p:cNvPr>
@@ -2185,7 +2185,7 @@
           <p:cNvPr id="5" name="Rectangle 6">
             <a:extLst>
               <a:ext uri="{FF2B5EF4-FFF2-40B4-BE49-F238E27FC236}">
-                <a16:creationId xmlns:a16="http://schemas.microsoft.com/office/drawing/2014/main" xmlns="" id="{1AA6322A-92C9-446C-930A-0698A19F92D6}"/>
+                <a16:creationId xmlns="" xmlns:a16="http://schemas.microsoft.com/office/drawing/2014/main" id="{1AA6322A-92C9-446C-930A-0698A19F92D6}"/>
               </a:ext>
             </a:extLst>
           </p:cNvPr>
@@ -2256,7 +2256,7 @@
           <p:cNvPr id="2" name="Rectangle 4">
             <a:extLst>
               <a:ext uri="{FF2B5EF4-FFF2-40B4-BE49-F238E27FC236}">
-                <a16:creationId xmlns:a16="http://schemas.microsoft.com/office/drawing/2014/main" xmlns="" id="{C26BD151-6E80-4919-A6C6-E85E8962B2B8}"/>
+                <a16:creationId xmlns="" xmlns:a16="http://schemas.microsoft.com/office/drawing/2014/main" id="{C26BD151-6E80-4919-A6C6-E85E8962B2B8}"/>
               </a:ext>
             </a:extLst>
           </p:cNvPr>
@@ -2290,7 +2290,7 @@
           <p:cNvPr id="3" name="Rectangle 5">
             <a:extLst>
               <a:ext uri="{FF2B5EF4-FFF2-40B4-BE49-F238E27FC236}">
-                <a16:creationId xmlns:a16="http://schemas.microsoft.com/office/drawing/2014/main" xmlns="" id="{0EDE622F-11F0-46C9-85F2-95727BDB7102}"/>
+                <a16:creationId xmlns="" xmlns:a16="http://schemas.microsoft.com/office/drawing/2014/main" id="{0EDE622F-11F0-46C9-85F2-95727BDB7102}"/>
               </a:ext>
             </a:extLst>
           </p:cNvPr>
@@ -2324,7 +2324,7 @@
           <p:cNvPr id="4" name="Rectangle 6">
             <a:extLst>
               <a:ext uri="{FF2B5EF4-FFF2-40B4-BE49-F238E27FC236}">
-                <a16:creationId xmlns:a16="http://schemas.microsoft.com/office/drawing/2014/main" xmlns="" id="{2738D21C-6B11-469E-BF8F-83948469C378}"/>
+                <a16:creationId xmlns="" xmlns:a16="http://schemas.microsoft.com/office/drawing/2014/main" id="{2738D21C-6B11-469E-BF8F-83948469C378}"/>
               </a:ext>
             </a:extLst>
           </p:cNvPr>
@@ -2575,7 +2575,7 @@
           <p:cNvPr id="5" name="Rectangle 4">
             <a:extLst>
               <a:ext uri="{FF2B5EF4-FFF2-40B4-BE49-F238E27FC236}">
-                <a16:creationId xmlns:a16="http://schemas.microsoft.com/office/drawing/2014/main" xmlns="" id="{9CB731B5-3765-429E-872A-8668632123DD}"/>
+                <a16:creationId xmlns="" xmlns:a16="http://schemas.microsoft.com/office/drawing/2014/main" id="{9CB731B5-3765-429E-872A-8668632123DD}"/>
               </a:ext>
             </a:extLst>
           </p:cNvPr>
@@ -2609,7 +2609,7 @@
           <p:cNvPr id="6" name="Rectangle 5">
             <a:extLst>
               <a:ext uri="{FF2B5EF4-FFF2-40B4-BE49-F238E27FC236}">
-                <a16:creationId xmlns:a16="http://schemas.microsoft.com/office/drawing/2014/main" xmlns="" id="{8507C996-8DF7-4E2F-AF23-8DAE146FF66E}"/>
+                <a16:creationId xmlns="" xmlns:a16="http://schemas.microsoft.com/office/drawing/2014/main" id="{8507C996-8DF7-4E2F-AF23-8DAE146FF66E}"/>
               </a:ext>
             </a:extLst>
           </p:cNvPr>
@@ -2643,7 +2643,7 @@
           <p:cNvPr id="7" name="Rectangle 6">
             <a:extLst>
               <a:ext uri="{FF2B5EF4-FFF2-40B4-BE49-F238E27FC236}">
-                <a16:creationId xmlns:a16="http://schemas.microsoft.com/office/drawing/2014/main" xmlns="" id="{1E165721-1FB1-4FD2-A3E1-477148721D0A}"/>
+                <a16:creationId xmlns="" xmlns:a16="http://schemas.microsoft.com/office/drawing/2014/main" id="{1E165721-1FB1-4FD2-A3E1-477148721D0A}"/>
               </a:ext>
             </a:extLst>
           </p:cNvPr>
@@ -2872,7 +2872,7 @@
           <p:cNvPr id="5" name="Rectangle 4">
             <a:extLst>
               <a:ext uri="{FF2B5EF4-FFF2-40B4-BE49-F238E27FC236}">
-                <a16:creationId xmlns:a16="http://schemas.microsoft.com/office/drawing/2014/main" xmlns="" id="{434575CE-128F-476E-9884-744818038228}"/>
+                <a16:creationId xmlns="" xmlns:a16="http://schemas.microsoft.com/office/drawing/2014/main" id="{434575CE-128F-476E-9884-744818038228}"/>
               </a:ext>
             </a:extLst>
           </p:cNvPr>
@@ -2906,7 +2906,7 @@
           <p:cNvPr id="6" name="Rectangle 5">
             <a:extLst>
               <a:ext uri="{FF2B5EF4-FFF2-40B4-BE49-F238E27FC236}">
-                <a16:creationId xmlns:a16="http://schemas.microsoft.com/office/drawing/2014/main" xmlns="" id="{2F8A3289-721A-48D4-BD33-CB44F14573EC}"/>
+                <a16:creationId xmlns="" xmlns:a16="http://schemas.microsoft.com/office/drawing/2014/main" id="{2F8A3289-721A-48D4-BD33-CB44F14573EC}"/>
               </a:ext>
             </a:extLst>
           </p:cNvPr>
@@ -2940,7 +2940,7 @@
           <p:cNvPr id="7" name="Rectangle 6">
             <a:extLst>
               <a:ext uri="{FF2B5EF4-FFF2-40B4-BE49-F238E27FC236}">
-                <a16:creationId xmlns:a16="http://schemas.microsoft.com/office/drawing/2014/main" xmlns="" id="{619935AD-6A4E-4742-A5EC-70E337C65E5F}"/>
+                <a16:creationId xmlns="" xmlns:a16="http://schemas.microsoft.com/office/drawing/2014/main" id="{619935AD-6A4E-4742-A5EC-70E337C65E5F}"/>
               </a:ext>
             </a:extLst>
           </p:cNvPr>
@@ -3019,7 +3019,7 @@
           <p:cNvPr id="1026" name="Rectangle 2">
             <a:extLst>
               <a:ext uri="{FF2B5EF4-FFF2-40B4-BE49-F238E27FC236}">
-                <a16:creationId xmlns:a16="http://schemas.microsoft.com/office/drawing/2014/main" xmlns="" id="{4BC1576A-CAC6-4108-AC52-7CAE92E892F0}"/>
+                <a16:creationId xmlns="" xmlns:a16="http://schemas.microsoft.com/office/drawing/2014/main" id="{4BC1576A-CAC6-4108-AC52-7CAE92E892F0}"/>
               </a:ext>
             </a:extLst>
           </p:cNvPr>
@@ -3083,7 +3083,7 @@
           <p:cNvPr id="1027" name="Rectangle 3">
             <a:extLst>
               <a:ext uri="{FF2B5EF4-FFF2-40B4-BE49-F238E27FC236}">
-                <a16:creationId xmlns:a16="http://schemas.microsoft.com/office/drawing/2014/main" xmlns="" id="{67FFCB32-D8F0-40DD-8DDD-4FE31F5DEF86}"/>
+                <a16:creationId xmlns="" xmlns:a16="http://schemas.microsoft.com/office/drawing/2014/main" id="{67FFCB32-D8F0-40DD-8DDD-4FE31F5DEF86}"/>
               </a:ext>
             </a:extLst>
           </p:cNvPr>
@@ -3175,7 +3175,7 @@
           <p:cNvPr id="1028" name="Rectangle 4">
             <a:extLst>
               <a:ext uri="{FF2B5EF4-FFF2-40B4-BE49-F238E27FC236}">
-                <a16:creationId xmlns:a16="http://schemas.microsoft.com/office/drawing/2014/main" xmlns="" id="{75817BB7-B3C8-41CB-87F5-8A89D275B32F}"/>
+                <a16:creationId xmlns="" xmlns:a16="http://schemas.microsoft.com/office/drawing/2014/main" id="{75817BB7-B3C8-41CB-87F5-8A89D275B32F}"/>
               </a:ext>
             </a:extLst>
           </p:cNvPr>
@@ -3227,7 +3227,7 @@
           <p:cNvPr id="1029" name="Rectangle 5">
             <a:extLst>
               <a:ext uri="{FF2B5EF4-FFF2-40B4-BE49-F238E27FC236}">
-                <a16:creationId xmlns:a16="http://schemas.microsoft.com/office/drawing/2014/main" xmlns="" id="{B305F237-D2AD-46AB-9089-261059316DAC}"/>
+                <a16:creationId xmlns="" xmlns:a16="http://schemas.microsoft.com/office/drawing/2014/main" id="{B305F237-D2AD-46AB-9089-261059316DAC}"/>
               </a:ext>
             </a:extLst>
           </p:cNvPr>
@@ -3279,7 +3279,7 @@
           <p:cNvPr id="1030" name="Rectangle 6">
             <a:extLst>
               <a:ext uri="{FF2B5EF4-FFF2-40B4-BE49-F238E27FC236}">
-                <a16:creationId xmlns:a16="http://schemas.microsoft.com/office/drawing/2014/main" xmlns="" id="{8A19BE72-D15C-4880-BADE-7EDEFB1FE987}"/>
+                <a16:creationId xmlns="" xmlns:a16="http://schemas.microsoft.com/office/drawing/2014/main" id="{8A19BE72-D15C-4880-BADE-7EDEFB1FE987}"/>
               </a:ext>
             </a:extLst>
           </p:cNvPr>
@@ -3740,7 +3740,7 @@
           <p:cNvPr id="2050" name="Object 2">
             <a:extLst>
               <a:ext uri="{FF2B5EF4-FFF2-40B4-BE49-F238E27FC236}">
-                <a16:creationId xmlns:a16="http://schemas.microsoft.com/office/drawing/2014/main" xmlns="" id="{0FC2EDEB-CD6D-479E-AC2A-6579F6E4CF69}"/>
+                <a16:creationId xmlns="" xmlns:a16="http://schemas.microsoft.com/office/drawing/2014/main" id="{0FC2EDEB-CD6D-479E-AC2A-6579F6E4CF69}"/>
               </a:ext>
             </a:extLst>
           </p:cNvPr>
@@ -3763,7 +3763,7 @@
           <a:graphicData uri="http://schemas.openxmlformats.org/presentationml/2006/ole">
             <mc:AlternateContent xmlns:mc="http://schemas.openxmlformats.org/markup-compatibility/2006">
               <mc:Choice xmlns:v="urn:schemas-microsoft-com:vml" Requires="v">
-                <p:oleObj spid="_x0000_s2077" name="Document" r:id="rId3" imgW="5491805" imgH="2460978" progId="Word.Document.8">
+                <p:oleObj spid="_x0000_s2078" name="Document" r:id="rId3" imgW="5491805" imgH="2460978" progId="Word.Document.8">
                   <p:embed/>
                 </p:oleObj>
               </mc:Choice>
@@ -3812,7 +3812,7 @@
           <p:cNvPr id="2051" name="Text Box 3">
             <a:extLst>
               <a:ext uri="{FF2B5EF4-FFF2-40B4-BE49-F238E27FC236}">
-                <a16:creationId xmlns:a16="http://schemas.microsoft.com/office/drawing/2014/main" xmlns="" id="{6F9A29ED-552A-4B04-9BFF-78324234E82F}"/>
+                <a16:creationId xmlns="" xmlns:a16="http://schemas.microsoft.com/office/drawing/2014/main" id="{6F9A29ED-552A-4B04-9BFF-78324234E82F}"/>
               </a:ext>
             </a:extLst>
           </p:cNvPr>
@@ -4022,7 +4022,7 @@
           <p:cNvPr id="2054" name="Rectangle 7">
             <a:extLst>
               <a:ext uri="{FF2B5EF4-FFF2-40B4-BE49-F238E27FC236}">
-                <a16:creationId xmlns:a16="http://schemas.microsoft.com/office/drawing/2014/main" xmlns="" id="{CD9F0903-62EA-42BD-8AD2-C0B50A702B61}"/>
+                <a16:creationId xmlns="" xmlns:a16="http://schemas.microsoft.com/office/drawing/2014/main" id="{CD9F0903-62EA-42BD-8AD2-C0B50A702B61}"/>
               </a:ext>
             </a:extLst>
           </p:cNvPr>
@@ -4462,7 +4462,7 @@
           <p:cNvPr id="2055" name="Rectangle 8">
             <a:extLst>
               <a:ext uri="{FF2B5EF4-FFF2-40B4-BE49-F238E27FC236}">
-                <a16:creationId xmlns:a16="http://schemas.microsoft.com/office/drawing/2014/main" xmlns="" id="{23AE5A62-58FC-45BC-8E66-2A3E942B3F09}"/>
+                <a16:creationId xmlns="" xmlns:a16="http://schemas.microsoft.com/office/drawing/2014/main" id="{23AE5A62-58FC-45BC-8E66-2A3E942B3F09}"/>
               </a:ext>
             </a:extLst>
           </p:cNvPr>
@@ -4639,7 +4639,7 @@
           <p:cNvPr id="2056" name="Text Box 9">
             <a:extLst>
               <a:ext uri="{FF2B5EF4-FFF2-40B4-BE49-F238E27FC236}">
-                <a16:creationId xmlns:a16="http://schemas.microsoft.com/office/drawing/2014/main" xmlns="" id="{DF9A9F0D-E17B-4441-A5AB-ABE3472E3D2B}"/>
+                <a16:creationId xmlns="" xmlns:a16="http://schemas.microsoft.com/office/drawing/2014/main" id="{DF9A9F0D-E17B-4441-A5AB-ABE3472E3D2B}"/>
               </a:ext>
             </a:extLst>
           </p:cNvPr>
@@ -5629,7 +5629,7 @@
           <p:cNvPr id="6146" name="Picture 4" descr="08">
             <a:extLst>
               <a:ext uri="{FF2B5EF4-FFF2-40B4-BE49-F238E27FC236}">
-                <a16:creationId xmlns:a16="http://schemas.microsoft.com/office/drawing/2014/main" xmlns="" id="{9FE784F9-D9A7-4F7B-AD49-6C3E9EEF2890}"/>
+                <a16:creationId xmlns="" xmlns:a16="http://schemas.microsoft.com/office/drawing/2014/main" id="{9FE784F9-D9A7-4F7B-AD49-6C3E9EEF2890}"/>
               </a:ext>
             </a:extLst>
           </p:cNvPr>
@@ -5689,7 +5689,7 @@
           <p:cNvPr id="6147" name="Rectangle 5">
             <a:extLst>
               <a:ext uri="{FF2B5EF4-FFF2-40B4-BE49-F238E27FC236}">
-                <a16:creationId xmlns:a16="http://schemas.microsoft.com/office/drawing/2014/main" xmlns="" id="{FF2496EF-C9B8-49EF-A543-7502752ACE06}"/>
+                <a16:creationId xmlns="" xmlns:a16="http://schemas.microsoft.com/office/drawing/2014/main" id="{FF2496EF-C9B8-49EF-A543-7502752ACE06}"/>
               </a:ext>
             </a:extLst>
           </p:cNvPr>
@@ -5955,54 +5955,42 @@
               <a:rPr lang="en-US" sz="1200" dirty="0"/>
               <a:t>Theory of computation</a:t>
             </a:r>
+            <a:r>
+              <a:rPr lang="en-US" sz="1200"/>
+              <a:t/>
+            </a:r>
+            <a:br>
+              <a:rPr lang="en-US" sz="1200"/>
+            </a:br>
+            <a:r>
+              <a:rPr lang="en-US" sz="1200"/>
+              <a:t>Compilers </a:t>
+            </a:r>
+            <a:br>
+              <a:rPr lang="en-US" sz="1200"/>
+            </a:br>
+            <a:r>
+              <a:rPr lang="en-US" sz="1200"/>
+              <a:t>Senior </a:t>
+            </a:r>
+            <a:r>
+              <a:rPr lang="en-US" sz="1200" smtClean="0"/>
+              <a:t>Seminar</a:t>
+            </a:r>
+            <a:r>
+              <a:rPr lang="en-US" sz="1200" dirty="0"/>
+              <a:t/>
+            </a:r>
             <a:br>
               <a:rPr lang="en-US" sz="1200" dirty="0"/>
             </a:br>
             <a:r>
               <a:rPr lang="en-US" sz="1200" dirty="0"/>
-              <a:t>Senior Seminar</a:t>
-            </a:r>
-            <a:br>
-              <a:rPr lang="en-US" sz="1200" dirty="0"/>
-            </a:br>
-            <a:r>
-              <a:rPr lang="en-US" sz="1200" dirty="0"/>
-              <a:t>Compilers </a:t>
-            </a:r>
-            <a:br>
-              <a:rPr lang="en-US" sz="1200" dirty="0"/>
-            </a:br>
-            <a:r>
-              <a:rPr lang="en-US" sz="1200" dirty="0"/>
               <a:t>End</a:t>
             </a:r>
           </a:p>
         </p:txBody>
       </p:sp>
-      <p:pic>
-        <p:nvPicPr>
-          <p:cNvPr id="3" name="Picture 2"/>
-          <p:cNvPicPr>
-            <a:picLocks noChangeAspect="1"/>
-          </p:cNvPicPr>
-          <p:nvPr/>
-        </p:nvPicPr>
-        <p:blipFill>
-          <a:blip r:embed="rId3"/>
-          <a:stretch>
-            <a:fillRect/>
-          </a:stretch>
-        </p:blipFill>
-        <p:spPr>
-          <a:xfrm>
-            <a:off x="805039" y="4267200"/>
-            <a:ext cx="2571750" cy="3257550"/>
-          </a:xfrm>
-          <a:prstGeom prst="rect">
-            <a:avLst/>
-          </a:prstGeom>
-        </p:spPr>
-      </p:pic>
     </p:spTree>
   </p:cSld>
   <p:clrMapOvr>
@@ -6112,7 +6100,7 @@
           <p:cNvPr id="3074" name="Text Box 2">
             <a:extLst>
               <a:ext uri="{FF2B5EF4-FFF2-40B4-BE49-F238E27FC236}">
-                <a16:creationId xmlns:a16="http://schemas.microsoft.com/office/drawing/2014/main" xmlns="" id="{C129A688-1F3C-4C9F-9AC5-19802C32F77A}"/>
+                <a16:creationId xmlns="" xmlns:a16="http://schemas.microsoft.com/office/drawing/2014/main" id="{C129A688-1F3C-4C9F-9AC5-19802C32F77A}"/>
               </a:ext>
             </a:extLst>
           </p:cNvPr>
@@ -6312,7 +6300,7 @@
           <p:cNvPr id="3075" name="Rectangle 3">
             <a:extLst>
               <a:ext uri="{FF2B5EF4-FFF2-40B4-BE49-F238E27FC236}">
-                <a16:creationId xmlns:a16="http://schemas.microsoft.com/office/drawing/2014/main" xmlns="" id="{3F1D4401-FBEF-43F9-BEE5-1B122142E735}"/>
+                <a16:creationId xmlns="" xmlns:a16="http://schemas.microsoft.com/office/drawing/2014/main" id="{3F1D4401-FBEF-43F9-BEE5-1B122142E735}"/>
               </a:ext>
             </a:extLst>
           </p:cNvPr>
@@ -6489,7 +6477,7 @@
           <p:cNvPr id="7" name="Group 6">
             <a:extLst>
               <a:ext uri="{FF2B5EF4-FFF2-40B4-BE49-F238E27FC236}">
-                <a16:creationId xmlns:a16="http://schemas.microsoft.com/office/drawing/2014/main" xmlns="" id="{A73641C4-B2C2-437B-AAA3-9677860519ED}"/>
+                <a16:creationId xmlns="" xmlns:a16="http://schemas.microsoft.com/office/drawing/2014/main" id="{A73641C4-B2C2-437B-AAA3-9677860519ED}"/>
               </a:ext>
             </a:extLst>
           </p:cNvPr>
@@ -6509,7 +6497,7 @@
             <p:cNvPr id="8" name="Rectangle 4">
               <a:extLst>
                 <a:ext uri="{FF2B5EF4-FFF2-40B4-BE49-F238E27FC236}">
-                  <a16:creationId xmlns:a16="http://schemas.microsoft.com/office/drawing/2014/main" xmlns="" id="{150515A3-7AEC-4F11-96B7-7933E5964D11}"/>
+                  <a16:creationId xmlns="" xmlns:a16="http://schemas.microsoft.com/office/drawing/2014/main" id="{150515A3-7AEC-4F11-96B7-7933E5964D11}"/>
                 </a:ext>
               </a:extLst>
             </p:cNvPr>
@@ -6686,7 +6674,7 @@
             <p:cNvPr id="9" name="Rectangle 5">
               <a:extLst>
                 <a:ext uri="{FF2B5EF4-FFF2-40B4-BE49-F238E27FC236}">
-                  <a16:creationId xmlns:a16="http://schemas.microsoft.com/office/drawing/2014/main" xmlns="" id="{AC614A04-AAA4-4C45-9079-2C377ECCE70B}"/>
+                  <a16:creationId xmlns="" xmlns:a16="http://schemas.microsoft.com/office/drawing/2014/main" id="{AC614A04-AAA4-4C45-9079-2C377ECCE70B}"/>
                 </a:ext>
               </a:extLst>
             </p:cNvPr>
@@ -6863,7 +6851,7 @@
             <p:cNvPr id="10" name="Text Box 10">
               <a:extLst>
                 <a:ext uri="{FF2B5EF4-FFF2-40B4-BE49-F238E27FC236}">
-                  <a16:creationId xmlns:a16="http://schemas.microsoft.com/office/drawing/2014/main" xmlns="" id="{BCC31319-0CFB-4318-B56D-38F795438832}"/>
+                  <a16:creationId xmlns="" xmlns:a16="http://schemas.microsoft.com/office/drawing/2014/main" id="{BCC31319-0CFB-4318-B56D-38F795438832}"/>
                 </a:ext>
               </a:extLst>
             </p:cNvPr>
@@ -7051,7 +7039,7 @@
           <p:cNvPr id="2" name="Rectangle 1">
             <a:extLst>
               <a:ext uri="{FF2B5EF4-FFF2-40B4-BE49-F238E27FC236}">
-                <a16:creationId xmlns:a16="http://schemas.microsoft.com/office/drawing/2014/main" xmlns="" id="{E4B944C5-4159-45AC-A452-4E3D1B0B311C}"/>
+                <a16:creationId xmlns="" xmlns:a16="http://schemas.microsoft.com/office/drawing/2014/main" id="{E4B944C5-4159-45AC-A452-4E3D1B0B311C}"/>
               </a:ext>
             </a:extLst>
           </p:cNvPr>
@@ -9204,7 +9192,7 @@
           <p:cNvPr id="2" name="Picture 2">
             <a:extLst>
               <a:ext uri="{FF2B5EF4-FFF2-40B4-BE49-F238E27FC236}">
-                <a16:creationId xmlns:a16="http://schemas.microsoft.com/office/drawing/2014/main" xmlns="" id="{9B977FDE-32EA-465E-AADB-9C989EE1CA51}"/>
+                <a16:creationId xmlns="" xmlns:a16="http://schemas.microsoft.com/office/drawing/2014/main" id="{9B977FDE-32EA-465E-AADB-9C989EE1CA51}"/>
               </a:ext>
             </a:extLst>
           </p:cNvPr>
@@ -9264,7 +9252,7 @@
           <p:cNvPr id="3" name="Rectangle 4">
             <a:extLst>
               <a:ext uri="{FF2B5EF4-FFF2-40B4-BE49-F238E27FC236}">
-                <a16:creationId xmlns:a16="http://schemas.microsoft.com/office/drawing/2014/main" xmlns="" id="{644F9C34-5703-4C24-9E52-5CCFFBD67C78}"/>
+                <a16:creationId xmlns="" xmlns:a16="http://schemas.microsoft.com/office/drawing/2014/main" id="{644F9C34-5703-4C24-9E52-5CCFFBD67C78}"/>
               </a:ext>
             </a:extLst>
           </p:cNvPr>
@@ -9754,7 +9742,7 @@
           <p:cNvPr id="4" name="Text Box 5">
             <a:extLst>
               <a:ext uri="{FF2B5EF4-FFF2-40B4-BE49-F238E27FC236}">
-                <a16:creationId xmlns:a16="http://schemas.microsoft.com/office/drawing/2014/main" xmlns="" id="{F45A182C-00FA-4567-8FE6-CAFB6DBCF4CD}"/>
+                <a16:creationId xmlns="" xmlns:a16="http://schemas.microsoft.com/office/drawing/2014/main" id="{F45A182C-00FA-4567-8FE6-CAFB6DBCF4CD}"/>
               </a:ext>
             </a:extLst>
           </p:cNvPr>
@@ -10032,7 +10020,7 @@
           <p:cNvPr id="4098" name="Picture 4" descr="9_633b">
             <a:extLst>
               <a:ext uri="{FF2B5EF4-FFF2-40B4-BE49-F238E27FC236}">
-                <a16:creationId xmlns:a16="http://schemas.microsoft.com/office/drawing/2014/main" xmlns="" id="{31561808-D3EA-42DE-AACF-7FE716DB2F15}"/>
+                <a16:creationId xmlns="" xmlns:a16="http://schemas.microsoft.com/office/drawing/2014/main" id="{31561808-D3EA-42DE-AACF-7FE716DB2F15}"/>
               </a:ext>
             </a:extLst>
           </p:cNvPr>
@@ -10087,7 +10075,7 @@
           <p:cNvPr id="4099" name="Text Box 5">
             <a:extLst>
               <a:ext uri="{FF2B5EF4-FFF2-40B4-BE49-F238E27FC236}">
-                <a16:creationId xmlns:a16="http://schemas.microsoft.com/office/drawing/2014/main" xmlns="" id="{6A9A4ED3-BE14-4EA7-88B6-70C20075BE63}"/>
+                <a16:creationId xmlns="" xmlns:a16="http://schemas.microsoft.com/office/drawing/2014/main" id="{6A9A4ED3-BE14-4EA7-88B6-70C20075BE63}"/>
               </a:ext>
             </a:extLst>
           </p:cNvPr>
@@ -10438,7 +10426,7 @@
           <p:cNvPr id="2050" name="Text Box 5">
             <a:extLst>
               <a:ext uri="{FF2B5EF4-FFF2-40B4-BE49-F238E27FC236}">
-                <a16:creationId xmlns:a16="http://schemas.microsoft.com/office/drawing/2014/main" xmlns="" id="{173F8752-B146-46CD-B46E-CFF49491B82C}"/>
+                <a16:creationId xmlns="" xmlns:a16="http://schemas.microsoft.com/office/drawing/2014/main" id="{173F8752-B146-46CD-B46E-CFF49491B82C}"/>
               </a:ext>
             </a:extLst>
           </p:cNvPr>
@@ -10638,7 +10626,7 @@
           <p:cNvPr id="2051" name="Picture 5">
             <a:extLst>
               <a:ext uri="{FF2B5EF4-FFF2-40B4-BE49-F238E27FC236}">
-                <a16:creationId xmlns:a16="http://schemas.microsoft.com/office/drawing/2014/main" xmlns="" id="{46AC5A2B-1B00-4434-8F50-20AAD41C6BBD}"/>
+                <a16:creationId xmlns="" xmlns:a16="http://schemas.microsoft.com/office/drawing/2014/main" id="{46AC5A2B-1B00-4434-8F50-20AAD41C6BBD}"/>
               </a:ext>
             </a:extLst>
           </p:cNvPr>
@@ -10757,7 +10745,7 @@
           <p:cNvPr id="3074" name="Text Box 3">
             <a:extLst>
               <a:ext uri="{FF2B5EF4-FFF2-40B4-BE49-F238E27FC236}">
-                <a16:creationId xmlns:a16="http://schemas.microsoft.com/office/drawing/2014/main" xmlns="" id="{00A92C8E-6175-4482-94F6-9AEE58F153D5}"/>
+                <a16:creationId xmlns="" xmlns:a16="http://schemas.microsoft.com/office/drawing/2014/main" id="{00A92C8E-6175-4482-94F6-9AEE58F153D5}"/>
               </a:ext>
             </a:extLst>
           </p:cNvPr>
@@ -10925,7 +10913,7 @@
           <p:cNvPr id="3075" name="Rectangle 4">
             <a:extLst>
               <a:ext uri="{FF2B5EF4-FFF2-40B4-BE49-F238E27FC236}">
-                <a16:creationId xmlns:a16="http://schemas.microsoft.com/office/drawing/2014/main" xmlns="" id="{E71DD7EA-C580-43B3-BC05-FA24AC85E0A2}"/>
+                <a16:creationId xmlns="" xmlns:a16="http://schemas.microsoft.com/office/drawing/2014/main" id="{E71DD7EA-C580-43B3-BC05-FA24AC85E0A2}"/>
               </a:ext>
             </a:extLst>
           </p:cNvPr>
@@ -11102,7 +11090,7 @@
           <p:cNvPr id="3076" name="Rectangle 5">
             <a:extLst>
               <a:ext uri="{FF2B5EF4-FFF2-40B4-BE49-F238E27FC236}">
-                <a16:creationId xmlns:a16="http://schemas.microsoft.com/office/drawing/2014/main" xmlns="" id="{5A054E60-1451-4BFE-A023-A4DF0B7F1663}"/>
+                <a16:creationId xmlns="" xmlns:a16="http://schemas.microsoft.com/office/drawing/2014/main" id="{5A054E60-1451-4BFE-A023-A4DF0B7F1663}"/>
               </a:ext>
             </a:extLst>
           </p:cNvPr>
@@ -11279,7 +11267,7 @@
           <p:cNvPr id="3077" name="Rectangle 6">
             <a:extLst>
               <a:ext uri="{FF2B5EF4-FFF2-40B4-BE49-F238E27FC236}">
-                <a16:creationId xmlns:a16="http://schemas.microsoft.com/office/drawing/2014/main" xmlns="" id="{D4108B9B-143E-4D5F-B2C5-7B979A64B87F}"/>
+                <a16:creationId xmlns="" xmlns:a16="http://schemas.microsoft.com/office/drawing/2014/main" id="{D4108B9B-143E-4D5F-B2C5-7B979A64B87F}"/>
               </a:ext>
             </a:extLst>
           </p:cNvPr>
@@ -11456,7 +11444,7 @@
           <p:cNvPr id="3078" name="Rectangle 7">
             <a:extLst>
               <a:ext uri="{FF2B5EF4-FFF2-40B4-BE49-F238E27FC236}">
-                <a16:creationId xmlns:a16="http://schemas.microsoft.com/office/drawing/2014/main" xmlns="" id="{2C2C5CBD-8904-410A-901D-4499337BD262}"/>
+                <a16:creationId xmlns="" xmlns:a16="http://schemas.microsoft.com/office/drawing/2014/main" id="{2C2C5CBD-8904-410A-901D-4499337BD262}"/>
               </a:ext>
             </a:extLst>
           </p:cNvPr>
@@ -11633,7 +11621,7 @@
           <p:cNvPr id="3079" name="Rectangle 8">
             <a:extLst>
               <a:ext uri="{FF2B5EF4-FFF2-40B4-BE49-F238E27FC236}">
-                <a16:creationId xmlns:a16="http://schemas.microsoft.com/office/drawing/2014/main" xmlns="" id="{4FDBE91F-B50C-4798-9349-2A662252E334}"/>
+                <a16:creationId xmlns="" xmlns:a16="http://schemas.microsoft.com/office/drawing/2014/main" id="{4FDBE91F-B50C-4798-9349-2A662252E334}"/>
               </a:ext>
             </a:extLst>
           </p:cNvPr>
@@ -11810,7 +11798,7 @@
           <p:cNvPr id="3080" name="Picture 5">
             <a:extLst>
               <a:ext uri="{FF2B5EF4-FFF2-40B4-BE49-F238E27FC236}">
-                <a16:creationId xmlns:a16="http://schemas.microsoft.com/office/drawing/2014/main" xmlns="" id="{C44D3F9C-B06C-4D17-8564-DC283D6A4E46}"/>
+                <a16:creationId xmlns="" xmlns:a16="http://schemas.microsoft.com/office/drawing/2014/main" id="{C44D3F9C-B06C-4D17-8564-DC283D6A4E46}"/>
               </a:ext>
             </a:extLst>
           </p:cNvPr>
@@ -11929,7 +11917,7 @@
           <p:cNvPr id="4098" name="Picture 4" descr="08">
             <a:extLst>
               <a:ext uri="{FF2B5EF4-FFF2-40B4-BE49-F238E27FC236}">
-                <a16:creationId xmlns:a16="http://schemas.microsoft.com/office/drawing/2014/main" xmlns="" id="{8C139698-8935-4237-9D08-07DB6B3B19A8}"/>
+                <a16:creationId xmlns="" xmlns:a16="http://schemas.microsoft.com/office/drawing/2014/main" id="{8C139698-8935-4237-9D08-07DB6B3B19A8}"/>
               </a:ext>
             </a:extLst>
           </p:cNvPr>
@@ -11989,7 +11977,7 @@
           <p:cNvPr id="4099" name="Rectangle 5">
             <a:extLst>
               <a:ext uri="{FF2B5EF4-FFF2-40B4-BE49-F238E27FC236}">
-                <a16:creationId xmlns:a16="http://schemas.microsoft.com/office/drawing/2014/main" xmlns="" id="{8D0E32BB-9F2D-4736-AA1F-A3FD6F876F11}"/>
+                <a16:creationId xmlns="" xmlns:a16="http://schemas.microsoft.com/office/drawing/2014/main" id="{8D0E32BB-9F2D-4736-AA1F-A3FD6F876F11}"/>
               </a:ext>
             </a:extLst>
           </p:cNvPr>
@@ -12306,7 +12294,7 @@
           <p:cNvPr id="5123" name="Text Box 5">
             <a:extLst>
               <a:ext uri="{FF2B5EF4-FFF2-40B4-BE49-F238E27FC236}">
-                <a16:creationId xmlns:a16="http://schemas.microsoft.com/office/drawing/2014/main" xmlns="" id="{80443669-B4DB-4504-ACF5-BCC233134B1B}"/>
+                <a16:creationId xmlns="" xmlns:a16="http://schemas.microsoft.com/office/drawing/2014/main" id="{80443669-B4DB-4504-ACF5-BCC233134B1B}"/>
               </a:ext>
             </a:extLst>
           </p:cNvPr>
@@ -12506,7 +12494,7 @@
           <p:cNvPr id="5127" name="Rectangle 10">
             <a:extLst>
               <a:ext uri="{FF2B5EF4-FFF2-40B4-BE49-F238E27FC236}">
-                <a16:creationId xmlns:a16="http://schemas.microsoft.com/office/drawing/2014/main" xmlns="" id="{C6B0D4E7-088E-4AFF-8702-57CBB2E7E183}"/>
+                <a16:creationId xmlns="" xmlns:a16="http://schemas.microsoft.com/office/drawing/2014/main" id="{C6B0D4E7-088E-4AFF-8702-57CBB2E7E183}"/>
               </a:ext>
             </a:extLst>
           </p:cNvPr>
@@ -12683,7 +12671,7 @@
           <p:cNvPr id="3" name="Picture 2">
             <a:extLst>
               <a:ext uri="{FF2B5EF4-FFF2-40B4-BE49-F238E27FC236}">
-                <a16:creationId xmlns:a16="http://schemas.microsoft.com/office/drawing/2014/main" xmlns="" id="{9CCAFEBF-6A63-4870-9BDF-00EB301F68F5}"/>
+                <a16:creationId xmlns="" xmlns:a16="http://schemas.microsoft.com/office/drawing/2014/main" id="{9CCAFEBF-6A63-4870-9BDF-00EB301F68F5}"/>
               </a:ext>
             </a:extLst>
           </p:cNvPr>
